--- a/files/Xv6中断与系统调用.pptx
+++ b/files/Xv6中断与系统调用.pptx
@@ -5,7 +5,7 @@
     <p:sldMasterId id="2147483660" r:id="rId1"/>
   </p:sldMasterIdLst>
   <p:notesMasterIdLst>
-    <p:notesMasterId r:id="rId28"/>
+    <p:notesMasterId r:id="rId29"/>
   </p:notesMasterIdLst>
   <p:sldIdLst>
     <p:sldId id="256" r:id="rId2"/>
@@ -18,22 +18,23 @@
     <p:sldId id="270" r:id="rId9"/>
     <p:sldId id="273" r:id="rId10"/>
     <p:sldId id="276" r:id="rId11"/>
-    <p:sldId id="274" r:id="rId12"/>
-    <p:sldId id="275" r:id="rId13"/>
-    <p:sldId id="269" r:id="rId14"/>
-    <p:sldId id="261" r:id="rId15"/>
-    <p:sldId id="262" r:id="rId16"/>
-    <p:sldId id="278" r:id="rId17"/>
-    <p:sldId id="279" r:id="rId18"/>
-    <p:sldId id="280" r:id="rId19"/>
-    <p:sldId id="283" r:id="rId20"/>
-    <p:sldId id="264" r:id="rId21"/>
-    <p:sldId id="281" r:id="rId22"/>
-    <p:sldId id="284" r:id="rId23"/>
-    <p:sldId id="285" r:id="rId24"/>
-    <p:sldId id="286" r:id="rId25"/>
-    <p:sldId id="272" r:id="rId26"/>
-    <p:sldId id="267" r:id="rId27"/>
+    <p:sldId id="287" r:id="rId12"/>
+    <p:sldId id="274" r:id="rId13"/>
+    <p:sldId id="275" r:id="rId14"/>
+    <p:sldId id="269" r:id="rId15"/>
+    <p:sldId id="261" r:id="rId16"/>
+    <p:sldId id="262" r:id="rId17"/>
+    <p:sldId id="278" r:id="rId18"/>
+    <p:sldId id="279" r:id="rId19"/>
+    <p:sldId id="280" r:id="rId20"/>
+    <p:sldId id="283" r:id="rId21"/>
+    <p:sldId id="264" r:id="rId22"/>
+    <p:sldId id="281" r:id="rId23"/>
+    <p:sldId id="284" r:id="rId24"/>
+    <p:sldId id="285" r:id="rId25"/>
+    <p:sldId id="286" r:id="rId26"/>
+    <p:sldId id="272" r:id="rId27"/>
+    <p:sldId id="267" r:id="rId28"/>
   </p:sldIdLst>
   <p:sldSz cx="12192000" cy="6858000"/>
   <p:notesSz cx="6858000" cy="9144000"/>
@@ -222,7 +223,7 @@
           <a:p>
             <a:fld id="{6E8A7103-C898-5844-ACAA-31C28E57F1F7}" type="datetimeFigureOut">
               <a:rPr lang="en-US" smtClean="0"/>
-              <a:t>3/18/19</a:t>
+              <a:t>3/19/19</a:t>
             </a:fld>
             <a:endParaRPr lang="en-US"/>
           </a:p>
@@ -554,7 +555,7 @@
           <a:p>
             <a:fld id="{7C49D10E-C549-9248-AA6E-2C0841DB25BF}" type="slidenum">
               <a:rPr lang="en-US" smtClean="0"/>
-              <a:t>26</a:t>
+              <a:t>27</a:t>
             </a:fld>
             <a:endParaRPr lang="en-US"/>
           </a:p>
@@ -723,7 +724,7 @@
           <a:p>
             <a:fld id="{C90E0392-3528-C64F-8AD5-06F817D8C72A}" type="datetime4">
               <a:rPr lang="en-US" smtClean="0"/>
-              <a:t>March 18, 2019</a:t>
+              <a:t>March 19, 2019</a:t>
             </a:fld>
             <a:endParaRPr lang="en-US"/>
           </a:p>
@@ -944,7 +945,7 @@
           <a:p>
             <a:fld id="{20B2AEDF-BB5D-2A41-99D1-BC534500C942}" type="datetime4">
               <a:rPr lang="en-US" smtClean="0"/>
-              <a:t>March 18, 2019</a:t>
+              <a:t>March 19, 2019</a:t>
             </a:fld>
             <a:endParaRPr lang="en-US"/>
           </a:p>
@@ -1167,7 +1168,7 @@
           <a:p>
             <a:fld id="{96FD6500-5D79-034E-9C34-9C155A5F1B89}" type="datetime4">
               <a:rPr lang="en-US" smtClean="0"/>
-              <a:t>March 18, 2019</a:t>
+              <a:t>March 19, 2019</a:t>
             </a:fld>
             <a:endParaRPr lang="en-US"/>
           </a:p>
@@ -1380,7 +1381,7 @@
           <a:p>
             <a:fld id="{11C0E81A-4A75-0442-AA23-16ECDD60C10B}" type="datetime4">
               <a:rPr lang="en-US" smtClean="0"/>
-              <a:t>March 18, 2019</a:t>
+              <a:t>March 19, 2019</a:t>
             </a:fld>
             <a:endParaRPr lang="en-US"/>
           </a:p>
@@ -1670,7 +1671,7 @@
           <a:p>
             <a:fld id="{432FF7EC-C274-4548-BCE6-734FE41EC86C}" type="datetime4">
               <a:rPr lang="en-US" smtClean="0"/>
-              <a:t>March 18, 2019</a:t>
+              <a:t>March 19, 2019</a:t>
             </a:fld>
             <a:endParaRPr lang="en-US"/>
           </a:p>
@@ -1950,7 +1951,7 @@
           <a:p>
             <a:fld id="{EDAAF6FC-0A7A-F842-B37B-4CBE4F50AAA8}" type="datetime4">
               <a:rPr lang="en-US" smtClean="0"/>
-              <a:t>March 18, 2019</a:t>
+              <a:t>March 19, 2019</a:t>
             </a:fld>
             <a:endParaRPr lang="en-US"/>
           </a:p>
@@ -2377,7 +2378,7 @@
           <a:p>
             <a:fld id="{1DCBE695-74AE-014F-B18F-3CA688BF5EE5}" type="datetime4">
               <a:rPr lang="en-US" smtClean="0"/>
-              <a:t>March 18, 2019</a:t>
+              <a:t>March 19, 2019</a:t>
             </a:fld>
             <a:endParaRPr lang="en-US"/>
           </a:p>
@@ -2533,7 +2534,7 @@
           <a:p>
             <a:fld id="{8139EC28-18C8-9844-81F5-1D024E7A61B6}" type="datetime4">
               <a:rPr lang="en-US" smtClean="0"/>
-              <a:t>March 18, 2019</a:t>
+              <a:t>March 19, 2019</a:t>
             </a:fld>
             <a:endParaRPr lang="en-US"/>
           </a:p>
@@ -2661,7 +2662,7 @@
           <a:p>
             <a:fld id="{5F0D4DB1-6DA0-C148-A3E0-EF28C3A07A31}" type="datetime4">
               <a:rPr lang="en-US" smtClean="0"/>
-              <a:t>March 18, 2019</a:t>
+              <a:t>March 19, 2019</a:t>
             </a:fld>
             <a:endParaRPr lang="en-US"/>
           </a:p>
@@ -2987,7 +2988,7 @@
           <a:p>
             <a:fld id="{7D0054BD-3704-324D-A5CA-F955838ADCB7}" type="datetime4">
               <a:rPr lang="en-US" smtClean="0"/>
-              <a:t>March 18, 2019</a:t>
+              <a:t>March 19, 2019</a:t>
             </a:fld>
             <a:endParaRPr lang="en-US"/>
           </a:p>
@@ -3293,7 +3294,7 @@
           <a:p>
             <a:fld id="{12D2CAD1-9AED-6349-8F77-4CF93CA1EE6F}" type="datetime4">
               <a:rPr lang="en-US" smtClean="0"/>
-              <a:t>March 18, 2019</a:t>
+              <a:t>March 19, 2019</a:t>
             </a:fld>
             <a:endParaRPr lang="en-US"/>
           </a:p>
@@ -3559,7 +3560,7 @@
           <a:p>
             <a:fld id="{08D58ACD-B7AA-D249-99B3-9D22CFC6F4F1}" type="datetime4">
               <a:rPr lang="en-US" smtClean="0"/>
-              <a:t>March 18, 2019</a:t>
+              <a:t>March 19, 2019</a:t>
             </a:fld>
             <a:endParaRPr lang="en-US" dirty="0"/>
           </a:p>
@@ -4215,7 +4216,7 @@
           <a:p>
             <a:fld id="{86501844-CCBB-1D4B-87FE-62736C383793}" type="datetime4">
               <a:rPr lang="en-US" smtClean="0"/>
-              <a:t>March 18, 2019</a:t>
+              <a:t>March 19, 2019</a:t>
             </a:fld>
             <a:endParaRPr lang="en-US"/>
           </a:p>
@@ -4747,7 +4748,7 @@
           <a:p>
             <a:fld id="{11C0E81A-4A75-0442-AA23-16ECDD60C10B}" type="datetime4">
               <a:rPr lang="en-US" smtClean="0"/>
-              <a:t>March 18, 2019</a:t>
+              <a:t>March 19, 2019</a:t>
             </a:fld>
             <a:endParaRPr lang="en-US"/>
           </a:p>
@@ -4987,7 +4988,7 @@
           <p:cNvPr id="2" name="Title 1">
             <a:extLst>
               <a:ext uri="{FF2B5EF4-FFF2-40B4-BE49-F238E27FC236}">
-                <a16:creationId xmlns:a16="http://schemas.microsoft.com/office/drawing/2014/main" id="{CABC3B0D-B94A-5F46-B654-DB8576796A4C}"/>
+                <a16:creationId xmlns:a16="http://schemas.microsoft.com/office/drawing/2014/main" id="{9DD6EE2D-DD92-EF48-A60F-6D28C318EF3C}"/>
               </a:ext>
             </a:extLst>
           </p:cNvPr>
@@ -5004,8 +5005,16 @@
           <a:lstStyle/>
           <a:p>
             <a:r>
+              <a:rPr lang="en-US" dirty="0"/>
+              <a:t>X86</a:t>
+            </a:r>
+            <a:r>
+              <a:rPr lang="zh-CN" altLang="en-US" dirty="0"/>
+              <a:t>中的中断硬件</a:t>
+            </a:r>
+            <a:r>
               <a:rPr lang="en-US" altLang="zh-CN" dirty="0"/>
-              <a:t>Outline</a:t>
+              <a:t>APIC</a:t>
             </a:r>
             <a:endParaRPr lang="en-US" dirty="0"/>
           </a:p>
@@ -5016,7 +5025,7 @@
           <p:cNvPr id="3" name="Content Placeholder 2">
             <a:extLst>
               <a:ext uri="{FF2B5EF4-FFF2-40B4-BE49-F238E27FC236}">
-                <a16:creationId xmlns:a16="http://schemas.microsoft.com/office/drawing/2014/main" id="{3F18BE3A-D497-C445-880D-418E5FF1B1B9}"/>
+                <a16:creationId xmlns:a16="http://schemas.microsoft.com/office/drawing/2014/main" id="{9F215233-261C-9E41-95A1-B3974CCDD42D}"/>
               </a:ext>
             </a:extLst>
           </p:cNvPr>
@@ -5027,449 +5036,180 @@
             <p:ph idx="1"/>
           </p:nvPr>
         </p:nvSpPr>
-        <p:spPr/>
+        <p:spPr>
+          <a:xfrm>
+            <a:off x="838200" y="1825625"/>
+            <a:ext cx="5327073" cy="4351338"/>
+          </a:xfrm>
+        </p:spPr>
         <p:txBody>
           <a:bodyPr>
-            <a:normAutofit fontScale="92500" lnSpcReduction="20000"/>
+            <a:normAutofit fontScale="92500"/>
           </a:bodyPr>
           <a:lstStyle/>
           <a:p>
             <a:r>
-              <a:rPr lang="zh-CN" altLang="en-US" dirty="0">
-                <a:solidFill>
-                  <a:schemeClr val="bg2">
-                    <a:lumMod val="75000"/>
-                  </a:schemeClr>
-                </a:solidFill>
-              </a:rPr>
-              <a:t>先置知识回顾</a:t>
-            </a:r>
-            <a:endParaRPr lang="en-US" altLang="zh-CN" dirty="0">
-              <a:solidFill>
-                <a:schemeClr val="bg2">
-                  <a:lumMod val="75000"/>
-                </a:schemeClr>
-              </a:solidFill>
-            </a:endParaRPr>
-          </a:p>
-          <a:p>
-            <a:pPr lvl="1"/>
-            <a:r>
-              <a:rPr lang="zh-CN" altLang="en-US" dirty="0">
-                <a:solidFill>
-                  <a:schemeClr val="bg2">
-                    <a:lumMod val="75000"/>
-                  </a:schemeClr>
-                </a:solidFill>
-              </a:rPr>
-              <a:t>基本概念复习</a:t>
-            </a:r>
-            <a:endParaRPr lang="en-US" altLang="zh-CN" dirty="0">
-              <a:solidFill>
-                <a:schemeClr val="bg2">
-                  <a:lumMod val="75000"/>
-                </a:schemeClr>
-              </a:solidFill>
-            </a:endParaRPr>
-          </a:p>
-          <a:p>
-            <a:pPr lvl="1"/>
-            <a:r>
-              <a:rPr lang="en-US" altLang="zh-CN" dirty="0">
-                <a:solidFill>
-                  <a:schemeClr val="bg2">
-                    <a:lumMod val="75000"/>
-                  </a:schemeClr>
-                </a:solidFill>
-              </a:rPr>
-              <a:t>X86</a:t>
-            </a:r>
-            <a:r>
-              <a:rPr lang="zh-CN" altLang="en-US" dirty="0">
-                <a:solidFill>
-                  <a:schemeClr val="bg2">
-                    <a:lumMod val="75000"/>
-                  </a:schemeClr>
-                </a:solidFill>
-              </a:rPr>
-              <a:t>中的寻址模式</a:t>
-            </a:r>
-            <a:endParaRPr lang="en-US" altLang="zh-CN" dirty="0">
-              <a:solidFill>
-                <a:schemeClr val="bg2">
-                  <a:lumMod val="75000"/>
-                </a:schemeClr>
-              </a:solidFill>
-            </a:endParaRPr>
-          </a:p>
-          <a:p>
-            <a:pPr lvl="1"/>
-            <a:r>
-              <a:rPr lang="zh-CN" altLang="en-US" dirty="0">
-                <a:solidFill>
-                  <a:schemeClr val="bg2">
-                    <a:lumMod val="75000"/>
-                  </a:schemeClr>
-                </a:solidFill>
-              </a:rPr>
-              <a:t>中断描述符表（</a:t>
-            </a:r>
-            <a:r>
-              <a:rPr lang="en-US" altLang="zh-CN" dirty="0">
-                <a:solidFill>
-                  <a:schemeClr val="bg2">
-                    <a:lumMod val="75000"/>
-                  </a:schemeClr>
-                </a:solidFill>
-                <a:latin typeface="Helvetica Neue" panose="02000503000000020004" pitchFamily="2" charset="0"/>
-                <a:ea typeface="Helvetica Neue" panose="02000503000000020004" pitchFamily="2" charset="0"/>
-                <a:cs typeface="Helvetica Neue" panose="02000503000000020004" pitchFamily="2" charset="0"/>
-              </a:rPr>
-              <a:t>Interruption</a:t>
-            </a:r>
-            <a:r>
-              <a:rPr lang="zh-CN" altLang="en-US" dirty="0">
-                <a:solidFill>
-                  <a:schemeClr val="bg2">
-                    <a:lumMod val="75000"/>
-                  </a:schemeClr>
-                </a:solidFill>
-                <a:latin typeface="Helvetica Neue" panose="02000503000000020004" pitchFamily="2" charset="0"/>
-                <a:cs typeface="Helvetica Neue" panose="02000503000000020004" pitchFamily="2" charset="0"/>
-              </a:rPr>
+              <a:rPr lang="en-US" altLang="zh-CN" dirty="0"/>
+              <a:t>APIC</a:t>
+            </a:r>
+            <a:r>
+              <a:rPr lang="zh-CN" altLang="en-US" dirty="0"/>
+              <a:t>全称</a:t>
+            </a:r>
+            <a:r>
+              <a:rPr lang="en-US" altLang="zh-CN" dirty="0"/>
+              <a:t>Advanced</a:t>
+            </a:r>
+            <a:r>
+              <a:rPr lang="zh-CN" altLang="en-US" dirty="0"/>
               <a:t> </a:t>
             </a:r>
             <a:r>
-              <a:rPr lang="en-US" altLang="zh-CN" dirty="0">
-                <a:solidFill>
-                  <a:schemeClr val="bg2">
-                    <a:lumMod val="75000"/>
-                  </a:schemeClr>
-                </a:solidFill>
-                <a:latin typeface="Helvetica Neue" panose="02000503000000020004" pitchFamily="2" charset="0"/>
-                <a:ea typeface="Helvetica Neue" panose="02000503000000020004" pitchFamily="2" charset="0"/>
-                <a:cs typeface="Helvetica Neue" panose="02000503000000020004" pitchFamily="2" charset="0"/>
-              </a:rPr>
-              <a:t>Descriptor</a:t>
-            </a:r>
-            <a:r>
-              <a:rPr lang="zh-CN" altLang="en-US" dirty="0">
-                <a:solidFill>
-                  <a:schemeClr val="bg2">
-                    <a:lumMod val="75000"/>
-                  </a:schemeClr>
-                </a:solidFill>
-                <a:latin typeface="Helvetica Neue" panose="02000503000000020004" pitchFamily="2" charset="0"/>
-                <a:cs typeface="Helvetica Neue" panose="02000503000000020004" pitchFamily="2" charset="0"/>
-              </a:rPr>
+              <a:rPr lang="en-US" altLang="zh-CN" dirty="0"/>
+              <a:t>Programmable</a:t>
+            </a:r>
+            <a:r>
+              <a:rPr lang="zh-CN" altLang="en-US" dirty="0"/>
               <a:t> </a:t>
             </a:r>
             <a:r>
-              <a:rPr lang="en-US" altLang="zh-CN" dirty="0">
-                <a:solidFill>
-                  <a:schemeClr val="bg2">
-                    <a:lumMod val="75000"/>
-                  </a:schemeClr>
-                </a:solidFill>
-                <a:latin typeface="Helvetica Neue" panose="02000503000000020004" pitchFamily="2" charset="0"/>
-                <a:ea typeface="Helvetica Neue" panose="02000503000000020004" pitchFamily="2" charset="0"/>
-                <a:cs typeface="Helvetica Neue" panose="02000503000000020004" pitchFamily="2" charset="0"/>
-              </a:rPr>
-              <a:t>Table</a:t>
-            </a:r>
-            <a:r>
-              <a:rPr lang="zh-CN" altLang="en-US" dirty="0">
-                <a:solidFill>
-                  <a:schemeClr val="bg2">
-                    <a:lumMod val="75000"/>
-                  </a:schemeClr>
-                </a:solidFill>
-                <a:latin typeface="Helvetica Neue" panose="02000503000000020004" pitchFamily="2" charset="0"/>
-                <a:cs typeface="Helvetica Neue" panose="02000503000000020004" pitchFamily="2" charset="0"/>
-              </a:rPr>
-              <a:t>，</a:t>
-            </a:r>
-            <a:r>
-              <a:rPr lang="en-US" altLang="zh-CN" dirty="0">
-                <a:solidFill>
-                  <a:schemeClr val="bg2">
-                    <a:lumMod val="75000"/>
-                  </a:schemeClr>
-                </a:solidFill>
-                <a:latin typeface="Helvetica Neue" panose="02000503000000020004" pitchFamily="2" charset="0"/>
-                <a:ea typeface="Helvetica Neue" panose="02000503000000020004" pitchFamily="2" charset="0"/>
-                <a:cs typeface="Helvetica Neue" panose="02000503000000020004" pitchFamily="2" charset="0"/>
-              </a:rPr>
-              <a:t>IDT</a:t>
-            </a:r>
-            <a:r>
-              <a:rPr lang="zh-CN" altLang="en-US" dirty="0">
-                <a:solidFill>
-                  <a:schemeClr val="bg2">
-                    <a:lumMod val="75000"/>
-                  </a:schemeClr>
-                </a:solidFill>
-              </a:rPr>
-              <a:t>）</a:t>
-            </a:r>
-            <a:endParaRPr lang="en-US" altLang="zh-CN" dirty="0">
-              <a:solidFill>
-                <a:schemeClr val="bg2">
-                  <a:lumMod val="75000"/>
-                </a:schemeClr>
-              </a:solidFill>
-            </a:endParaRPr>
-          </a:p>
-          <a:p>
-            <a:pPr lvl="1"/>
-            <a:r>
-              <a:rPr lang="zh-CN" altLang="en-US" dirty="0">
-                <a:solidFill>
-                  <a:schemeClr val="bg2">
-                    <a:lumMod val="75000"/>
-                  </a:schemeClr>
-                </a:solidFill>
-              </a:rPr>
-              <a:t>相关</a:t>
-            </a:r>
-            <a:r>
-              <a:rPr lang="en-US" altLang="zh-CN" dirty="0">
-                <a:solidFill>
-                  <a:schemeClr val="bg2">
-                    <a:lumMod val="75000"/>
-                  </a:schemeClr>
-                </a:solidFill>
-              </a:rPr>
-              <a:t>X86</a:t>
-            </a:r>
-            <a:r>
-              <a:rPr lang="zh-CN" altLang="en-US" dirty="0">
-                <a:solidFill>
-                  <a:schemeClr val="bg2">
-                    <a:lumMod val="75000"/>
-                  </a:schemeClr>
-                </a:solidFill>
-              </a:rPr>
-              <a:t>指令：</a:t>
-            </a:r>
-            <a:r>
-              <a:rPr lang="en-US" altLang="zh-CN" dirty="0">
-                <a:solidFill>
-                  <a:schemeClr val="bg2">
-                    <a:lumMod val="75000"/>
-                  </a:schemeClr>
-                </a:solidFill>
-                <a:latin typeface="Helvetica Neue" panose="02000503000000020004" pitchFamily="2" charset="0"/>
-                <a:ea typeface="Helvetica Neue" panose="02000503000000020004" pitchFamily="2" charset="0"/>
-                <a:cs typeface="Helvetica Neue" panose="02000503000000020004" pitchFamily="2" charset="0"/>
-              </a:rPr>
-              <a:t>STI</a:t>
-            </a:r>
-            <a:r>
-              <a:rPr lang="zh-CN" altLang="en-US" dirty="0">
-                <a:solidFill>
-                  <a:schemeClr val="bg2">
-                    <a:lumMod val="75000"/>
-                  </a:schemeClr>
-                </a:solidFill>
-                <a:latin typeface="Helvetica Neue" panose="02000503000000020004" pitchFamily="2" charset="0"/>
-                <a:ea typeface="SimHei" panose="02010609060101010101" pitchFamily="49" charset="-122"/>
-                <a:cs typeface="Helvetica Neue" panose="02000503000000020004" pitchFamily="2" charset="0"/>
-              </a:rPr>
-              <a:t>，</a:t>
-            </a:r>
-            <a:r>
-              <a:rPr lang="en-US" altLang="zh-CN" dirty="0">
-                <a:solidFill>
-                  <a:schemeClr val="bg2">
-                    <a:lumMod val="75000"/>
-                  </a:schemeClr>
-                </a:solidFill>
-                <a:latin typeface="Helvetica Neue" panose="02000503000000020004" pitchFamily="2" charset="0"/>
-                <a:ea typeface="Helvetica Neue" panose="02000503000000020004" pitchFamily="2" charset="0"/>
-                <a:cs typeface="Helvetica Neue" panose="02000503000000020004" pitchFamily="2" charset="0"/>
-              </a:rPr>
-              <a:t>CLI</a:t>
-            </a:r>
-            <a:r>
-              <a:rPr lang="zh-CN" altLang="en-US" dirty="0">
-                <a:solidFill>
-                  <a:schemeClr val="bg2">
-                    <a:lumMod val="75000"/>
-                  </a:schemeClr>
-                </a:solidFill>
-                <a:latin typeface="Helvetica Neue" panose="02000503000000020004" pitchFamily="2" charset="0"/>
-                <a:ea typeface="SimHei" panose="02010609060101010101" pitchFamily="49" charset="-122"/>
-                <a:cs typeface="Helvetica Neue" panose="02000503000000020004" pitchFamily="2" charset="0"/>
-              </a:rPr>
-              <a:t>，</a:t>
-            </a:r>
-            <a:r>
-              <a:rPr lang="en-US" altLang="zh-CN" dirty="0">
-                <a:solidFill>
-                  <a:schemeClr val="bg2">
-                    <a:lumMod val="75000"/>
-                  </a:schemeClr>
-                </a:solidFill>
-                <a:latin typeface="Helvetica Neue" panose="02000503000000020004" pitchFamily="2" charset="0"/>
-                <a:ea typeface="Helvetica Neue" panose="02000503000000020004" pitchFamily="2" charset="0"/>
-                <a:cs typeface="Helvetica Neue" panose="02000503000000020004" pitchFamily="2" charset="0"/>
-              </a:rPr>
-              <a:t>INT</a:t>
-            </a:r>
-            <a:r>
-              <a:rPr lang="zh-CN" altLang="en-US" dirty="0">
-                <a:solidFill>
-                  <a:schemeClr val="bg2">
-                    <a:lumMod val="75000"/>
-                  </a:schemeClr>
-                </a:solidFill>
-                <a:latin typeface="Helvetica Neue" panose="02000503000000020004" pitchFamily="2" charset="0"/>
-                <a:ea typeface="SimHei" panose="02010609060101010101" pitchFamily="49" charset="-122"/>
-                <a:cs typeface="Helvetica Neue" panose="02000503000000020004" pitchFamily="2" charset="0"/>
-              </a:rPr>
-              <a:t>，</a:t>
-            </a:r>
-            <a:r>
-              <a:rPr lang="en-US" altLang="zh-CN" dirty="0">
-                <a:solidFill>
-                  <a:schemeClr val="bg2">
-                    <a:lumMod val="75000"/>
-                  </a:schemeClr>
-                </a:solidFill>
-                <a:latin typeface="Helvetica Neue" panose="02000503000000020004" pitchFamily="2" charset="0"/>
-                <a:ea typeface="Helvetica Neue" panose="02000503000000020004" pitchFamily="2" charset="0"/>
-                <a:cs typeface="Helvetica Neue" panose="02000503000000020004" pitchFamily="2" charset="0"/>
-              </a:rPr>
-              <a:t>LIDT</a:t>
-            </a:r>
-          </a:p>
-          <a:p>
-            <a:r>
               <a:rPr lang="en-US" altLang="zh-CN" dirty="0"/>
-              <a:t>Xv6</a:t>
+              <a:t>Interrupt</a:t>
             </a:r>
             <a:r>
               <a:rPr lang="zh-CN" altLang="en-US" dirty="0"/>
-              <a:t>中的中断</a:t>
+              <a:t> </a:t>
+            </a:r>
+            <a:r>
+              <a:rPr lang="en-US" altLang="zh-CN" dirty="0" err="1"/>
+              <a:t>Conroller</a:t>
             </a:r>
             <a:endParaRPr lang="en-US" altLang="zh-CN" dirty="0"/>
           </a:p>
           <a:p>
-            <a:pPr lvl="1"/>
             <a:r>
               <a:rPr lang="zh-CN" altLang="en-US" dirty="0"/>
-              <a:t>相关数据结构</a:t>
+              <a:t>目前大多数</a:t>
+            </a:r>
+            <a:r>
+              <a:rPr lang="en-US" altLang="zh-CN" dirty="0"/>
+              <a:t>x86</a:t>
+            </a:r>
+            <a:r>
+              <a:rPr lang="zh-CN" altLang="en-US" dirty="0"/>
+              <a:t> </a:t>
+            </a:r>
+            <a:r>
+              <a:rPr lang="en-US" altLang="zh-CN" dirty="0"/>
+              <a:t>CPU</a:t>
+            </a:r>
+            <a:r>
+              <a:rPr lang="zh-CN" altLang="en-US" dirty="0"/>
+              <a:t>使用的中断控制器标准</a:t>
             </a:r>
             <a:endParaRPr lang="en-US" altLang="zh-CN" dirty="0"/>
           </a:p>
           <a:p>
-            <a:pPr lvl="1"/>
             <a:r>
               <a:rPr lang="zh-CN" altLang="en-US" dirty="0"/>
-              <a:t>代码的组织和执行流</a:t>
+              <a:t>在</a:t>
+            </a:r>
+            <a:r>
+              <a:rPr lang="en-US" altLang="zh-CN" dirty="0"/>
+              <a:t>APIC</a:t>
+            </a:r>
+            <a:r>
+              <a:rPr lang="zh-CN" altLang="en-US" dirty="0"/>
+              <a:t>体系结构中，每个</a:t>
+            </a:r>
+            <a:r>
+              <a:rPr lang="en-US" altLang="zh-CN" dirty="0"/>
+              <a:t>CPU</a:t>
+            </a:r>
+            <a:r>
+              <a:rPr lang="zh-CN" altLang="en-US" dirty="0"/>
+              <a:t>核对应一个</a:t>
+            </a:r>
+            <a:r>
+              <a:rPr lang="en-US" altLang="zh-CN" dirty="0"/>
+              <a:t>Local</a:t>
+            </a:r>
+            <a:r>
+              <a:rPr lang="zh-CN" altLang="en-US" dirty="0"/>
+              <a:t> </a:t>
+            </a:r>
+            <a:r>
+              <a:rPr lang="en-US" altLang="zh-CN" dirty="0"/>
+              <a:t>APIC</a:t>
+            </a:r>
+            <a:r>
+              <a:rPr lang="zh-CN" altLang="en-US" dirty="0"/>
+              <a:t>，另有一个或多个</a:t>
+            </a:r>
+            <a:r>
+              <a:rPr lang="en-US" altLang="zh-CN" dirty="0"/>
+              <a:t>I/O</a:t>
+            </a:r>
+            <a:r>
+              <a:rPr lang="zh-CN" altLang="en-US" dirty="0"/>
+              <a:t> </a:t>
+            </a:r>
+            <a:r>
+              <a:rPr lang="en-US" altLang="zh-CN" dirty="0"/>
+              <a:t>APIC</a:t>
+            </a:r>
+          </a:p>
+          <a:p>
+            <a:r>
+              <a:rPr lang="zh-CN" altLang="en-US" dirty="0"/>
+              <a:t>中断发送给</a:t>
+            </a:r>
+            <a:r>
+              <a:rPr lang="en-US" altLang="zh-CN" dirty="0"/>
+              <a:t>I/O</a:t>
+            </a:r>
+            <a:r>
+              <a:rPr lang="zh-CN" altLang="en-US" dirty="0"/>
+              <a:t> </a:t>
+            </a:r>
+            <a:r>
+              <a:rPr lang="en-US" altLang="zh-CN" dirty="0"/>
+              <a:t>APIC</a:t>
+            </a:r>
+            <a:r>
+              <a:rPr lang="zh-CN" altLang="en-US" dirty="0"/>
+              <a:t>后，被转发给对应的</a:t>
+            </a:r>
+            <a:r>
+              <a:rPr lang="en-US" altLang="zh-CN" dirty="0"/>
+              <a:t>Local</a:t>
+            </a:r>
+            <a:r>
+              <a:rPr lang="zh-CN" altLang="en-US" dirty="0"/>
+              <a:t> </a:t>
+            </a:r>
+            <a:r>
+              <a:rPr lang="en-US" altLang="zh-CN" dirty="0"/>
+              <a:t>APIC</a:t>
+            </a:r>
+          </a:p>
+          <a:p>
+            <a:r>
+              <a:rPr lang="zh-CN" altLang="en-US" dirty="0"/>
+              <a:t>由操作系统设置</a:t>
+            </a:r>
+            <a:r>
+              <a:rPr lang="en-US" altLang="zh-CN" dirty="0"/>
+              <a:t>APIC</a:t>
+            </a:r>
+            <a:r>
+              <a:rPr lang="zh-CN" altLang="en-US" dirty="0"/>
+              <a:t>的行为</a:t>
             </a:r>
             <a:endParaRPr lang="en-US" altLang="zh-CN" dirty="0"/>
           </a:p>
           <a:p>
-            <a:pPr lvl="1"/>
-            <a:r>
-              <a:rPr lang="zh-CN" altLang="en-US" dirty="0"/>
-              <a:t>中断调用举例：除零错误</a:t>
-            </a:r>
             <a:endParaRPr lang="en-US" altLang="zh-CN" dirty="0"/>
-          </a:p>
-          <a:p>
-            <a:r>
-              <a:rPr lang="en-US" altLang="zh-CN" dirty="0">
-                <a:solidFill>
-                  <a:schemeClr val="bg2">
-                    <a:lumMod val="75000"/>
-                  </a:schemeClr>
-                </a:solidFill>
-              </a:rPr>
-              <a:t>Xv6</a:t>
-            </a:r>
-            <a:r>
-              <a:rPr lang="zh-CN" altLang="en-US" dirty="0">
-                <a:solidFill>
-                  <a:schemeClr val="bg2">
-                    <a:lumMod val="75000"/>
-                  </a:schemeClr>
-                </a:solidFill>
-              </a:rPr>
-              <a:t>中的系统调用</a:t>
-            </a:r>
-            <a:endParaRPr lang="en-US" altLang="zh-CN" dirty="0">
-              <a:solidFill>
-                <a:schemeClr val="bg2">
-                  <a:lumMod val="75000"/>
-                </a:schemeClr>
-              </a:solidFill>
-            </a:endParaRPr>
-          </a:p>
-          <a:p>
-            <a:pPr lvl="1"/>
-            <a:r>
-              <a:rPr lang="zh-CN" altLang="en-US" dirty="0">
-                <a:solidFill>
-                  <a:schemeClr val="bg2">
-                    <a:lumMod val="75000"/>
-                  </a:schemeClr>
-                </a:solidFill>
-              </a:rPr>
-              <a:t>相关数据结构</a:t>
-            </a:r>
-            <a:endParaRPr lang="en-US" altLang="zh-CN" dirty="0">
-              <a:solidFill>
-                <a:schemeClr val="bg2">
-                  <a:lumMod val="75000"/>
-                </a:schemeClr>
-              </a:solidFill>
-            </a:endParaRPr>
-          </a:p>
-          <a:p>
-            <a:pPr lvl="1"/>
-            <a:r>
-              <a:rPr lang="zh-CN" altLang="en-US" dirty="0">
-                <a:solidFill>
-                  <a:schemeClr val="bg2">
-                    <a:lumMod val="75000"/>
-                  </a:schemeClr>
-                </a:solidFill>
-              </a:rPr>
-              <a:t>代码的组织和执行流</a:t>
-            </a:r>
-            <a:endParaRPr lang="en-US" altLang="zh-CN" dirty="0">
-              <a:solidFill>
-                <a:schemeClr val="bg2">
-                  <a:lumMod val="75000"/>
-                </a:schemeClr>
-              </a:solidFill>
-            </a:endParaRPr>
-          </a:p>
-          <a:p>
-            <a:pPr lvl="1"/>
-            <a:r>
-              <a:rPr lang="zh-CN" altLang="en-US" dirty="0">
-                <a:solidFill>
-                  <a:schemeClr val="bg2">
-                    <a:lumMod val="75000"/>
-                  </a:schemeClr>
-                </a:solidFill>
-              </a:rPr>
-              <a:t>如何实现一个系统调用</a:t>
-            </a:r>
-            <a:endParaRPr lang="en-US" altLang="zh-CN" dirty="0">
-              <a:solidFill>
-                <a:schemeClr val="bg2">
-                  <a:lumMod val="75000"/>
-                </a:schemeClr>
-              </a:solidFill>
-            </a:endParaRPr>
-          </a:p>
-          <a:p>
-            <a:endParaRPr lang="en-US" dirty="0"/>
           </a:p>
         </p:txBody>
       </p:sp>
@@ -5478,7 +5218,7 @@
           <p:cNvPr id="4" name="Date Placeholder 3">
             <a:extLst>
               <a:ext uri="{FF2B5EF4-FFF2-40B4-BE49-F238E27FC236}">
-                <a16:creationId xmlns:a16="http://schemas.microsoft.com/office/drawing/2014/main" id="{4859D6B7-0D49-4A44-8E67-C2C4101A2B47}"/>
+                <a16:creationId xmlns:a16="http://schemas.microsoft.com/office/drawing/2014/main" id="{CD599F01-23FA-254C-B79B-A9C7EA36DA1A}"/>
               </a:ext>
             </a:extLst>
           </p:cNvPr>
@@ -5494,9 +5234,9 @@
           <a:bodyPr/>
           <a:lstStyle/>
           <a:p>
-            <a:fld id="{8EAB9CC7-83C6-8C49-9C48-85CE187723BC}" type="datetime4">
+            <a:fld id="{11C0E81A-4A75-0442-AA23-16ECDD60C10B}" type="datetime4">
               <a:rPr lang="en-US" smtClean="0"/>
-              <a:t>March 18, 2019</a:t>
+              <a:t>March 19, 2019</a:t>
             </a:fld>
             <a:endParaRPr lang="en-US"/>
           </a:p>
@@ -5507,7 +5247,7 @@
           <p:cNvPr id="5" name="Footer Placeholder 4">
             <a:extLst>
               <a:ext uri="{FF2B5EF4-FFF2-40B4-BE49-F238E27FC236}">
-                <a16:creationId xmlns:a16="http://schemas.microsoft.com/office/drawing/2014/main" id="{0C783811-E692-B84C-97DE-8C32752D520D}"/>
+                <a16:creationId xmlns:a16="http://schemas.microsoft.com/office/drawing/2014/main" id="{7FFA38CE-7E26-CD43-AB1F-44FC6FD467E1}"/>
               </a:ext>
             </a:extLst>
           </p:cNvPr>
@@ -5524,7 +5264,7 @@
           <a:lstStyle/>
           <a:p>
             <a:r>
-              <a:rPr lang="en-US"/>
+              <a:rPr lang="en-US" dirty="0"/>
               <a:t>Operating System (A), Peking University</a:t>
             </a:r>
           </a:p>
@@ -5535,7 +5275,7 @@
           <p:cNvPr id="6" name="Slide Number Placeholder 5">
             <a:extLst>
               <a:ext uri="{FF2B5EF4-FFF2-40B4-BE49-F238E27FC236}">
-                <a16:creationId xmlns:a16="http://schemas.microsoft.com/office/drawing/2014/main" id="{4A47C519-E954-6140-8439-CDB7B361BF99}"/>
+                <a16:creationId xmlns:a16="http://schemas.microsoft.com/office/drawing/2014/main" id="{6AD430F7-66C7-8948-96C3-272753DCFD50}"/>
               </a:ext>
             </a:extLst>
           </p:cNvPr>
@@ -5559,10 +5299,97 @@
           </a:p>
         </p:txBody>
       </p:sp>
+      <p:pic>
+        <p:nvPicPr>
+          <p:cNvPr id="7" name="Picture 6">
+            <a:extLst>
+              <a:ext uri="{FF2B5EF4-FFF2-40B4-BE49-F238E27FC236}">
+                <a16:creationId xmlns:a16="http://schemas.microsoft.com/office/drawing/2014/main" id="{90CBF5F8-9F2C-3148-9A83-3CA88230200B}"/>
+              </a:ext>
+            </a:extLst>
+          </p:cNvPr>
+          <p:cNvPicPr>
+            <a:picLocks noChangeAspect="1"/>
+          </p:cNvPicPr>
+          <p:nvPr/>
+        </p:nvPicPr>
+        <p:blipFill>
+          <a:blip r:embed="rId2"/>
+          <a:stretch>
+            <a:fillRect/>
+          </a:stretch>
+        </p:blipFill>
+        <p:spPr>
+          <a:xfrm>
+            <a:off x="6255819" y="822037"/>
+            <a:ext cx="5286842" cy="4692072"/>
+          </a:xfrm>
+          <a:prstGeom prst="rect">
+            <a:avLst/>
+          </a:prstGeom>
+        </p:spPr>
+      </p:pic>
+      <p:sp>
+        <p:nvSpPr>
+          <p:cNvPr id="8" name="TextBox 7">
+            <a:extLst>
+              <a:ext uri="{FF2B5EF4-FFF2-40B4-BE49-F238E27FC236}">
+                <a16:creationId xmlns:a16="http://schemas.microsoft.com/office/drawing/2014/main" id="{CA0533A8-5FED-7347-8D74-1ECA86B5BD1D}"/>
+              </a:ext>
+            </a:extLst>
+          </p:cNvPr>
+          <p:cNvSpPr txBox="1"/>
+          <p:nvPr/>
+        </p:nvSpPr>
+        <p:spPr>
+          <a:xfrm>
+            <a:off x="6165273" y="5757902"/>
+            <a:ext cx="5798190" cy="553998"/>
+          </a:xfrm>
+          <a:prstGeom prst="rect">
+            <a:avLst/>
+          </a:prstGeom>
+          <a:noFill/>
+        </p:spPr>
+        <p:txBody>
+          <a:bodyPr wrap="none" rtlCol="0">
+            <a:spAutoFit/>
+          </a:bodyPr>
+          <a:lstStyle/>
+          <a:p>
+            <a:r>
+              <a:rPr lang="en-US" sz="1200" dirty="0"/>
+              <a:t>Image</a:t>
+            </a:r>
+            <a:r>
+              <a:rPr lang="zh-CN" altLang="en-US" sz="1200" dirty="0"/>
+              <a:t> </a:t>
+            </a:r>
+            <a:r>
+              <a:rPr lang="en-US" altLang="zh-CN" sz="1200" dirty="0"/>
+              <a:t>courtesy:</a:t>
+            </a:r>
+            <a:r>
+              <a:rPr lang="zh-CN" altLang="en-US" sz="1200" dirty="0"/>
+              <a:t> </a:t>
+            </a:r>
+            <a:r>
+              <a:rPr lang="en-US" altLang="zh-CN" sz="1200" dirty="0">
+                <a:hlinkClick r:id="rId3"/>
+              </a:rPr>
+              <a:t>https://people.freebsd.org/~jhb/papers/bsdcan/2007/article/node4.html</a:t>
+            </a:r>
+            <a:endParaRPr lang="en-US" altLang="zh-CN" sz="1200" dirty="0"/>
+          </a:p>
+          <a:p>
+            <a:endParaRPr lang="en-US" dirty="0"/>
+          </a:p>
+        </p:txBody>
+      </p:sp>
     </p:spTree>
     <p:extLst>
       <p:ext uri="{BB962C8B-B14F-4D97-AF65-F5344CB8AC3E}">
-        <p14:creationId xmlns:p14="http://schemas.microsoft.com/office/powerpoint/2010/main" val="3875544005"/>
+        <p14:creationId xmlns:p14="http://schemas.microsoft.com/office/powerpoint/2010/main" val="2280046783"/>
       </p:ext>
     </p:extLst>
   </p:cSld>
@@ -5606,6 +5433,625 @@
           <p:cNvPr id="2" name="Title 1">
             <a:extLst>
               <a:ext uri="{FF2B5EF4-FFF2-40B4-BE49-F238E27FC236}">
+                <a16:creationId xmlns:a16="http://schemas.microsoft.com/office/drawing/2014/main" id="{CABC3B0D-B94A-5F46-B654-DB8576796A4C}"/>
+              </a:ext>
+            </a:extLst>
+          </p:cNvPr>
+          <p:cNvSpPr>
+            <a:spLocks noGrp="1"/>
+          </p:cNvSpPr>
+          <p:nvPr>
+            <p:ph type="title"/>
+          </p:nvPr>
+        </p:nvSpPr>
+        <p:spPr/>
+        <p:txBody>
+          <a:bodyPr/>
+          <a:lstStyle/>
+          <a:p>
+            <a:r>
+              <a:rPr lang="en-US" altLang="zh-CN" dirty="0"/>
+              <a:t>Outline</a:t>
+            </a:r>
+            <a:endParaRPr lang="en-US" dirty="0"/>
+          </a:p>
+        </p:txBody>
+      </p:sp>
+      <p:sp>
+        <p:nvSpPr>
+          <p:cNvPr id="3" name="Content Placeholder 2">
+            <a:extLst>
+              <a:ext uri="{FF2B5EF4-FFF2-40B4-BE49-F238E27FC236}">
+                <a16:creationId xmlns:a16="http://schemas.microsoft.com/office/drawing/2014/main" id="{3F18BE3A-D497-C445-880D-418E5FF1B1B9}"/>
+              </a:ext>
+            </a:extLst>
+          </p:cNvPr>
+          <p:cNvSpPr>
+            <a:spLocks noGrp="1"/>
+          </p:cNvSpPr>
+          <p:nvPr>
+            <p:ph idx="1"/>
+          </p:nvPr>
+        </p:nvSpPr>
+        <p:spPr/>
+        <p:txBody>
+          <a:bodyPr>
+            <a:normAutofit fontScale="92500" lnSpcReduction="20000"/>
+          </a:bodyPr>
+          <a:lstStyle/>
+          <a:p>
+            <a:r>
+              <a:rPr lang="zh-CN" altLang="en-US" dirty="0">
+                <a:solidFill>
+                  <a:schemeClr val="bg2">
+                    <a:lumMod val="75000"/>
+                  </a:schemeClr>
+                </a:solidFill>
+              </a:rPr>
+              <a:t>先置知识回顾</a:t>
+            </a:r>
+            <a:endParaRPr lang="en-US" altLang="zh-CN" dirty="0">
+              <a:solidFill>
+                <a:schemeClr val="bg2">
+                  <a:lumMod val="75000"/>
+                </a:schemeClr>
+              </a:solidFill>
+            </a:endParaRPr>
+          </a:p>
+          <a:p>
+            <a:pPr lvl="1"/>
+            <a:r>
+              <a:rPr lang="zh-CN" altLang="en-US" dirty="0">
+                <a:solidFill>
+                  <a:schemeClr val="bg2">
+                    <a:lumMod val="75000"/>
+                  </a:schemeClr>
+                </a:solidFill>
+              </a:rPr>
+              <a:t>基本概念复习</a:t>
+            </a:r>
+            <a:endParaRPr lang="en-US" altLang="zh-CN" dirty="0">
+              <a:solidFill>
+                <a:schemeClr val="bg2">
+                  <a:lumMod val="75000"/>
+                </a:schemeClr>
+              </a:solidFill>
+            </a:endParaRPr>
+          </a:p>
+          <a:p>
+            <a:pPr lvl="1"/>
+            <a:r>
+              <a:rPr lang="en-US" altLang="zh-CN" dirty="0">
+                <a:solidFill>
+                  <a:schemeClr val="bg2">
+                    <a:lumMod val="75000"/>
+                  </a:schemeClr>
+                </a:solidFill>
+              </a:rPr>
+              <a:t>X86</a:t>
+            </a:r>
+            <a:r>
+              <a:rPr lang="zh-CN" altLang="en-US" dirty="0">
+                <a:solidFill>
+                  <a:schemeClr val="bg2">
+                    <a:lumMod val="75000"/>
+                  </a:schemeClr>
+                </a:solidFill>
+              </a:rPr>
+              <a:t>中的寻址模式</a:t>
+            </a:r>
+            <a:endParaRPr lang="en-US" altLang="zh-CN" dirty="0">
+              <a:solidFill>
+                <a:schemeClr val="bg2">
+                  <a:lumMod val="75000"/>
+                </a:schemeClr>
+              </a:solidFill>
+            </a:endParaRPr>
+          </a:p>
+          <a:p>
+            <a:pPr lvl="1"/>
+            <a:r>
+              <a:rPr lang="zh-CN" altLang="en-US" dirty="0">
+                <a:solidFill>
+                  <a:schemeClr val="bg2">
+                    <a:lumMod val="75000"/>
+                  </a:schemeClr>
+                </a:solidFill>
+              </a:rPr>
+              <a:t>中断描述符表（</a:t>
+            </a:r>
+            <a:r>
+              <a:rPr lang="en-US" altLang="zh-CN" dirty="0">
+                <a:solidFill>
+                  <a:schemeClr val="bg2">
+                    <a:lumMod val="75000"/>
+                  </a:schemeClr>
+                </a:solidFill>
+                <a:latin typeface="Helvetica Neue" panose="02000503000000020004" pitchFamily="2" charset="0"/>
+                <a:ea typeface="Helvetica Neue" panose="02000503000000020004" pitchFamily="2" charset="0"/>
+                <a:cs typeface="Helvetica Neue" panose="02000503000000020004" pitchFamily="2" charset="0"/>
+              </a:rPr>
+              <a:t>Interruption</a:t>
+            </a:r>
+            <a:r>
+              <a:rPr lang="zh-CN" altLang="en-US" dirty="0">
+                <a:solidFill>
+                  <a:schemeClr val="bg2">
+                    <a:lumMod val="75000"/>
+                  </a:schemeClr>
+                </a:solidFill>
+                <a:latin typeface="Helvetica Neue" panose="02000503000000020004" pitchFamily="2" charset="0"/>
+                <a:cs typeface="Helvetica Neue" panose="02000503000000020004" pitchFamily="2" charset="0"/>
+              </a:rPr>
+              <a:t> </a:t>
+            </a:r>
+            <a:r>
+              <a:rPr lang="en-US" altLang="zh-CN" dirty="0">
+                <a:solidFill>
+                  <a:schemeClr val="bg2">
+                    <a:lumMod val="75000"/>
+                  </a:schemeClr>
+                </a:solidFill>
+                <a:latin typeface="Helvetica Neue" panose="02000503000000020004" pitchFamily="2" charset="0"/>
+                <a:ea typeface="Helvetica Neue" panose="02000503000000020004" pitchFamily="2" charset="0"/>
+                <a:cs typeface="Helvetica Neue" panose="02000503000000020004" pitchFamily="2" charset="0"/>
+              </a:rPr>
+              <a:t>Descriptor</a:t>
+            </a:r>
+            <a:r>
+              <a:rPr lang="zh-CN" altLang="en-US" dirty="0">
+                <a:solidFill>
+                  <a:schemeClr val="bg2">
+                    <a:lumMod val="75000"/>
+                  </a:schemeClr>
+                </a:solidFill>
+                <a:latin typeface="Helvetica Neue" panose="02000503000000020004" pitchFamily="2" charset="0"/>
+                <a:cs typeface="Helvetica Neue" panose="02000503000000020004" pitchFamily="2" charset="0"/>
+              </a:rPr>
+              <a:t> </a:t>
+            </a:r>
+            <a:r>
+              <a:rPr lang="en-US" altLang="zh-CN" dirty="0">
+                <a:solidFill>
+                  <a:schemeClr val="bg2">
+                    <a:lumMod val="75000"/>
+                  </a:schemeClr>
+                </a:solidFill>
+                <a:latin typeface="Helvetica Neue" panose="02000503000000020004" pitchFamily="2" charset="0"/>
+                <a:ea typeface="Helvetica Neue" panose="02000503000000020004" pitchFamily="2" charset="0"/>
+                <a:cs typeface="Helvetica Neue" panose="02000503000000020004" pitchFamily="2" charset="0"/>
+              </a:rPr>
+              <a:t>Table</a:t>
+            </a:r>
+            <a:r>
+              <a:rPr lang="zh-CN" altLang="en-US" dirty="0">
+                <a:solidFill>
+                  <a:schemeClr val="bg2">
+                    <a:lumMod val="75000"/>
+                  </a:schemeClr>
+                </a:solidFill>
+                <a:latin typeface="Helvetica Neue" panose="02000503000000020004" pitchFamily="2" charset="0"/>
+                <a:cs typeface="Helvetica Neue" panose="02000503000000020004" pitchFamily="2" charset="0"/>
+              </a:rPr>
+              <a:t>，</a:t>
+            </a:r>
+            <a:r>
+              <a:rPr lang="en-US" altLang="zh-CN" dirty="0">
+                <a:solidFill>
+                  <a:schemeClr val="bg2">
+                    <a:lumMod val="75000"/>
+                  </a:schemeClr>
+                </a:solidFill>
+                <a:latin typeface="Helvetica Neue" panose="02000503000000020004" pitchFamily="2" charset="0"/>
+                <a:ea typeface="Helvetica Neue" panose="02000503000000020004" pitchFamily="2" charset="0"/>
+                <a:cs typeface="Helvetica Neue" panose="02000503000000020004" pitchFamily="2" charset="0"/>
+              </a:rPr>
+              <a:t>IDT</a:t>
+            </a:r>
+            <a:r>
+              <a:rPr lang="zh-CN" altLang="en-US" dirty="0">
+                <a:solidFill>
+                  <a:schemeClr val="bg2">
+                    <a:lumMod val="75000"/>
+                  </a:schemeClr>
+                </a:solidFill>
+              </a:rPr>
+              <a:t>）</a:t>
+            </a:r>
+            <a:endParaRPr lang="en-US" altLang="zh-CN" dirty="0">
+              <a:solidFill>
+                <a:schemeClr val="bg2">
+                  <a:lumMod val="75000"/>
+                </a:schemeClr>
+              </a:solidFill>
+            </a:endParaRPr>
+          </a:p>
+          <a:p>
+            <a:pPr lvl="1"/>
+            <a:r>
+              <a:rPr lang="zh-CN" altLang="en-US" dirty="0">
+                <a:solidFill>
+                  <a:schemeClr val="bg2">
+                    <a:lumMod val="75000"/>
+                  </a:schemeClr>
+                </a:solidFill>
+              </a:rPr>
+              <a:t>相关</a:t>
+            </a:r>
+            <a:r>
+              <a:rPr lang="en-US" altLang="zh-CN" dirty="0">
+                <a:solidFill>
+                  <a:schemeClr val="bg2">
+                    <a:lumMod val="75000"/>
+                  </a:schemeClr>
+                </a:solidFill>
+              </a:rPr>
+              <a:t>X86</a:t>
+            </a:r>
+            <a:r>
+              <a:rPr lang="zh-CN" altLang="en-US" dirty="0">
+                <a:solidFill>
+                  <a:schemeClr val="bg2">
+                    <a:lumMod val="75000"/>
+                  </a:schemeClr>
+                </a:solidFill>
+              </a:rPr>
+              <a:t>指令：</a:t>
+            </a:r>
+            <a:r>
+              <a:rPr lang="en-US" altLang="zh-CN" dirty="0">
+                <a:solidFill>
+                  <a:schemeClr val="bg2">
+                    <a:lumMod val="75000"/>
+                  </a:schemeClr>
+                </a:solidFill>
+                <a:latin typeface="Helvetica Neue" panose="02000503000000020004" pitchFamily="2" charset="0"/>
+                <a:ea typeface="Helvetica Neue" panose="02000503000000020004" pitchFamily="2" charset="0"/>
+                <a:cs typeface="Helvetica Neue" panose="02000503000000020004" pitchFamily="2" charset="0"/>
+              </a:rPr>
+              <a:t>STI</a:t>
+            </a:r>
+            <a:r>
+              <a:rPr lang="zh-CN" altLang="en-US" dirty="0">
+                <a:solidFill>
+                  <a:schemeClr val="bg2">
+                    <a:lumMod val="75000"/>
+                  </a:schemeClr>
+                </a:solidFill>
+                <a:latin typeface="Helvetica Neue" panose="02000503000000020004" pitchFamily="2" charset="0"/>
+                <a:ea typeface="SimHei" panose="02010609060101010101" pitchFamily="49" charset="-122"/>
+                <a:cs typeface="Helvetica Neue" panose="02000503000000020004" pitchFamily="2" charset="0"/>
+              </a:rPr>
+              <a:t>，</a:t>
+            </a:r>
+            <a:r>
+              <a:rPr lang="en-US" altLang="zh-CN" dirty="0">
+                <a:solidFill>
+                  <a:schemeClr val="bg2">
+                    <a:lumMod val="75000"/>
+                  </a:schemeClr>
+                </a:solidFill>
+                <a:latin typeface="Helvetica Neue" panose="02000503000000020004" pitchFamily="2" charset="0"/>
+                <a:ea typeface="Helvetica Neue" panose="02000503000000020004" pitchFamily="2" charset="0"/>
+                <a:cs typeface="Helvetica Neue" panose="02000503000000020004" pitchFamily="2" charset="0"/>
+              </a:rPr>
+              <a:t>CLI</a:t>
+            </a:r>
+            <a:r>
+              <a:rPr lang="zh-CN" altLang="en-US" dirty="0">
+                <a:solidFill>
+                  <a:schemeClr val="bg2">
+                    <a:lumMod val="75000"/>
+                  </a:schemeClr>
+                </a:solidFill>
+                <a:latin typeface="Helvetica Neue" panose="02000503000000020004" pitchFamily="2" charset="0"/>
+                <a:ea typeface="SimHei" panose="02010609060101010101" pitchFamily="49" charset="-122"/>
+                <a:cs typeface="Helvetica Neue" panose="02000503000000020004" pitchFamily="2" charset="0"/>
+              </a:rPr>
+              <a:t>，</a:t>
+            </a:r>
+            <a:r>
+              <a:rPr lang="en-US" altLang="zh-CN" dirty="0">
+                <a:solidFill>
+                  <a:schemeClr val="bg2">
+                    <a:lumMod val="75000"/>
+                  </a:schemeClr>
+                </a:solidFill>
+                <a:latin typeface="Helvetica Neue" panose="02000503000000020004" pitchFamily="2" charset="0"/>
+                <a:ea typeface="Helvetica Neue" panose="02000503000000020004" pitchFamily="2" charset="0"/>
+                <a:cs typeface="Helvetica Neue" panose="02000503000000020004" pitchFamily="2" charset="0"/>
+              </a:rPr>
+              <a:t>INT</a:t>
+            </a:r>
+            <a:r>
+              <a:rPr lang="zh-CN" altLang="en-US" dirty="0">
+                <a:solidFill>
+                  <a:schemeClr val="bg2">
+                    <a:lumMod val="75000"/>
+                  </a:schemeClr>
+                </a:solidFill>
+                <a:latin typeface="Helvetica Neue" panose="02000503000000020004" pitchFamily="2" charset="0"/>
+                <a:ea typeface="SimHei" panose="02010609060101010101" pitchFamily="49" charset="-122"/>
+                <a:cs typeface="Helvetica Neue" panose="02000503000000020004" pitchFamily="2" charset="0"/>
+              </a:rPr>
+              <a:t>，</a:t>
+            </a:r>
+            <a:r>
+              <a:rPr lang="en-US" altLang="zh-CN" dirty="0">
+                <a:solidFill>
+                  <a:schemeClr val="bg2">
+                    <a:lumMod val="75000"/>
+                  </a:schemeClr>
+                </a:solidFill>
+                <a:latin typeface="Helvetica Neue" panose="02000503000000020004" pitchFamily="2" charset="0"/>
+                <a:ea typeface="Helvetica Neue" panose="02000503000000020004" pitchFamily="2" charset="0"/>
+                <a:cs typeface="Helvetica Neue" panose="02000503000000020004" pitchFamily="2" charset="0"/>
+              </a:rPr>
+              <a:t>LIDT</a:t>
+            </a:r>
+          </a:p>
+          <a:p>
+            <a:r>
+              <a:rPr lang="en-US" altLang="zh-CN" dirty="0"/>
+              <a:t>Xv6</a:t>
+            </a:r>
+            <a:r>
+              <a:rPr lang="zh-CN" altLang="en-US" dirty="0"/>
+              <a:t>中的中断</a:t>
+            </a:r>
+            <a:endParaRPr lang="en-US" altLang="zh-CN" dirty="0"/>
+          </a:p>
+          <a:p>
+            <a:pPr lvl="1"/>
+            <a:r>
+              <a:rPr lang="zh-CN" altLang="en-US" dirty="0"/>
+              <a:t>相关数据结构</a:t>
+            </a:r>
+            <a:endParaRPr lang="en-US" altLang="zh-CN" dirty="0"/>
+          </a:p>
+          <a:p>
+            <a:pPr lvl="1"/>
+            <a:r>
+              <a:rPr lang="zh-CN" altLang="en-US" dirty="0"/>
+              <a:t>代码的组织和执行流</a:t>
+            </a:r>
+            <a:endParaRPr lang="en-US" altLang="zh-CN" dirty="0"/>
+          </a:p>
+          <a:p>
+            <a:pPr lvl="1"/>
+            <a:r>
+              <a:rPr lang="zh-CN" altLang="en-US" dirty="0"/>
+              <a:t>中断调用举例：除零错误</a:t>
+            </a:r>
+            <a:endParaRPr lang="en-US" altLang="zh-CN" dirty="0"/>
+          </a:p>
+          <a:p>
+            <a:r>
+              <a:rPr lang="en-US" altLang="zh-CN" dirty="0">
+                <a:solidFill>
+                  <a:schemeClr val="bg2">
+                    <a:lumMod val="75000"/>
+                  </a:schemeClr>
+                </a:solidFill>
+              </a:rPr>
+              <a:t>Xv6</a:t>
+            </a:r>
+            <a:r>
+              <a:rPr lang="zh-CN" altLang="en-US" dirty="0">
+                <a:solidFill>
+                  <a:schemeClr val="bg2">
+                    <a:lumMod val="75000"/>
+                  </a:schemeClr>
+                </a:solidFill>
+              </a:rPr>
+              <a:t>中的系统调用</a:t>
+            </a:r>
+            <a:endParaRPr lang="en-US" altLang="zh-CN" dirty="0">
+              <a:solidFill>
+                <a:schemeClr val="bg2">
+                  <a:lumMod val="75000"/>
+                </a:schemeClr>
+              </a:solidFill>
+            </a:endParaRPr>
+          </a:p>
+          <a:p>
+            <a:pPr lvl="1"/>
+            <a:r>
+              <a:rPr lang="zh-CN" altLang="en-US" dirty="0">
+                <a:solidFill>
+                  <a:schemeClr val="bg2">
+                    <a:lumMod val="75000"/>
+                  </a:schemeClr>
+                </a:solidFill>
+              </a:rPr>
+              <a:t>相关数据结构</a:t>
+            </a:r>
+            <a:endParaRPr lang="en-US" altLang="zh-CN" dirty="0">
+              <a:solidFill>
+                <a:schemeClr val="bg2">
+                  <a:lumMod val="75000"/>
+                </a:schemeClr>
+              </a:solidFill>
+            </a:endParaRPr>
+          </a:p>
+          <a:p>
+            <a:pPr lvl="1"/>
+            <a:r>
+              <a:rPr lang="zh-CN" altLang="en-US" dirty="0">
+                <a:solidFill>
+                  <a:schemeClr val="bg2">
+                    <a:lumMod val="75000"/>
+                  </a:schemeClr>
+                </a:solidFill>
+              </a:rPr>
+              <a:t>代码的组织和执行流</a:t>
+            </a:r>
+            <a:endParaRPr lang="en-US" altLang="zh-CN" dirty="0">
+              <a:solidFill>
+                <a:schemeClr val="bg2">
+                  <a:lumMod val="75000"/>
+                </a:schemeClr>
+              </a:solidFill>
+            </a:endParaRPr>
+          </a:p>
+          <a:p>
+            <a:pPr lvl="1"/>
+            <a:r>
+              <a:rPr lang="zh-CN" altLang="en-US" dirty="0">
+                <a:solidFill>
+                  <a:schemeClr val="bg2">
+                    <a:lumMod val="75000"/>
+                  </a:schemeClr>
+                </a:solidFill>
+              </a:rPr>
+              <a:t>如何实现一个系统调用</a:t>
+            </a:r>
+            <a:endParaRPr lang="en-US" altLang="zh-CN" dirty="0">
+              <a:solidFill>
+                <a:schemeClr val="bg2">
+                  <a:lumMod val="75000"/>
+                </a:schemeClr>
+              </a:solidFill>
+            </a:endParaRPr>
+          </a:p>
+          <a:p>
+            <a:endParaRPr lang="en-US" dirty="0"/>
+          </a:p>
+        </p:txBody>
+      </p:sp>
+      <p:sp>
+        <p:nvSpPr>
+          <p:cNvPr id="4" name="Date Placeholder 3">
+            <a:extLst>
+              <a:ext uri="{FF2B5EF4-FFF2-40B4-BE49-F238E27FC236}">
+                <a16:creationId xmlns:a16="http://schemas.microsoft.com/office/drawing/2014/main" id="{4859D6B7-0D49-4A44-8E67-C2C4101A2B47}"/>
+              </a:ext>
+            </a:extLst>
+          </p:cNvPr>
+          <p:cNvSpPr>
+            <a:spLocks noGrp="1"/>
+          </p:cNvSpPr>
+          <p:nvPr>
+            <p:ph type="dt" sz="half" idx="10"/>
+          </p:nvPr>
+        </p:nvSpPr>
+        <p:spPr/>
+        <p:txBody>
+          <a:bodyPr/>
+          <a:lstStyle/>
+          <a:p>
+            <a:fld id="{8EAB9CC7-83C6-8C49-9C48-85CE187723BC}" type="datetime4">
+              <a:rPr lang="en-US" smtClean="0"/>
+              <a:t>March 19, 2019</a:t>
+            </a:fld>
+            <a:endParaRPr lang="en-US"/>
+          </a:p>
+        </p:txBody>
+      </p:sp>
+      <p:sp>
+        <p:nvSpPr>
+          <p:cNvPr id="5" name="Footer Placeholder 4">
+            <a:extLst>
+              <a:ext uri="{FF2B5EF4-FFF2-40B4-BE49-F238E27FC236}">
+                <a16:creationId xmlns:a16="http://schemas.microsoft.com/office/drawing/2014/main" id="{0C783811-E692-B84C-97DE-8C32752D520D}"/>
+              </a:ext>
+            </a:extLst>
+          </p:cNvPr>
+          <p:cNvSpPr>
+            <a:spLocks noGrp="1"/>
+          </p:cNvSpPr>
+          <p:nvPr>
+            <p:ph type="ftr" sz="quarter" idx="11"/>
+          </p:nvPr>
+        </p:nvSpPr>
+        <p:spPr/>
+        <p:txBody>
+          <a:bodyPr/>
+          <a:lstStyle/>
+          <a:p>
+            <a:r>
+              <a:rPr lang="en-US"/>
+              <a:t>Operating System (A), Peking University</a:t>
+            </a:r>
+          </a:p>
+        </p:txBody>
+      </p:sp>
+      <p:sp>
+        <p:nvSpPr>
+          <p:cNvPr id="6" name="Slide Number Placeholder 5">
+            <a:extLst>
+              <a:ext uri="{FF2B5EF4-FFF2-40B4-BE49-F238E27FC236}">
+                <a16:creationId xmlns:a16="http://schemas.microsoft.com/office/drawing/2014/main" id="{4A47C519-E954-6140-8439-CDB7B361BF99}"/>
+              </a:ext>
+            </a:extLst>
+          </p:cNvPr>
+          <p:cNvSpPr>
+            <a:spLocks noGrp="1"/>
+          </p:cNvSpPr>
+          <p:nvPr>
+            <p:ph type="sldNum" sz="quarter" idx="12"/>
+          </p:nvPr>
+        </p:nvSpPr>
+        <p:spPr/>
+        <p:txBody>
+          <a:bodyPr/>
+          <a:lstStyle/>
+          <a:p>
+            <a:fld id="{FDC176BD-CB18-BC48-9807-D86C661BDFD5}" type="slidenum">
+              <a:rPr lang="en-US" smtClean="0"/>
+              <a:t>12</a:t>
+            </a:fld>
+            <a:endParaRPr lang="en-US"/>
+          </a:p>
+        </p:txBody>
+      </p:sp>
+    </p:spTree>
+    <p:extLst>
+      <p:ext uri="{BB962C8B-B14F-4D97-AF65-F5344CB8AC3E}">
+        <p14:creationId xmlns:p14="http://schemas.microsoft.com/office/powerpoint/2010/main" val="3875544005"/>
+      </p:ext>
+    </p:extLst>
+  </p:cSld>
+  <p:clrMapOvr>
+    <a:masterClrMapping/>
+  </p:clrMapOvr>
+  <mc:AlternateContent xmlns:mc="http://schemas.openxmlformats.org/markup-compatibility/2006" xmlns:p14="http://schemas.microsoft.com/office/powerpoint/2010/main">
+    <mc:Choice Requires="p14">
+      <p:transition spd="med" p14:dur="700">
+        <p:fade/>
+      </p:transition>
+    </mc:Choice>
+    <mc:Fallback xmlns="">
+      <p:transition spd="med">
+        <p:fade/>
+      </p:transition>
+    </mc:Fallback>
+  </mc:AlternateContent>
+</p:sld>
+</file>
+
+<file path=ppt/slides/slide13.xml><?xml version="1.0" encoding="utf-8"?>
+<p:sld xmlns:a="http://schemas.openxmlformats.org/drawingml/2006/main" xmlns:r="http://schemas.openxmlformats.org/officeDocument/2006/relationships" xmlns:p="http://schemas.openxmlformats.org/presentationml/2006/main">
+  <p:cSld>
+    <p:spTree>
+      <p:nvGrpSpPr>
+        <p:cNvPr id="1" name=""/>
+        <p:cNvGrpSpPr/>
+        <p:nvPr/>
+      </p:nvGrpSpPr>
+      <p:grpSpPr>
+        <a:xfrm>
+          <a:off x="0" y="0"/>
+          <a:ext cx="0" cy="0"/>
+          <a:chOff x="0" y="0"/>
+          <a:chExt cx="0" cy="0"/>
+        </a:xfrm>
+      </p:grpSpPr>
+      <p:sp>
+        <p:nvSpPr>
+          <p:cNvPr id="2" name="Title 1">
+            <a:extLst>
+              <a:ext uri="{FF2B5EF4-FFF2-40B4-BE49-F238E27FC236}">
                 <a16:creationId xmlns:a16="http://schemas.microsoft.com/office/drawing/2014/main" id="{136A8840-6B19-EA43-B4BA-D4F0663D95B2}"/>
               </a:ext>
             </a:extLst>
@@ -5657,7 +6103,7 @@
           <a:p>
             <a:fld id="{11C0E81A-4A75-0442-AA23-16ECDD60C10B}" type="datetime4">
               <a:rPr lang="en-US" smtClean="0"/>
-              <a:t>March 18, 2019</a:t>
+              <a:t>March 19, 2019</a:t>
             </a:fld>
             <a:endParaRPr lang="en-US"/>
           </a:p>
@@ -5714,7 +6160,7 @@
           <a:p>
             <a:fld id="{FDC176BD-CB18-BC48-9807-D86C661BDFD5}" type="slidenum">
               <a:rPr lang="en-US" smtClean="0"/>
-              <a:t>12</a:t>
+              <a:t>13</a:t>
             </a:fld>
             <a:endParaRPr lang="en-US"/>
           </a:p>
@@ -6409,7 +6855,7 @@
 </p:sld>
 </file>
 
-<file path=ppt/slides/slide13.xml><?xml version="1.0" encoding="utf-8"?>
+<file path=ppt/slides/slide14.xml><?xml version="1.0" encoding="utf-8"?>
 <p:sld xmlns:a="http://schemas.openxmlformats.org/drawingml/2006/main" xmlns:r="http://schemas.openxmlformats.org/officeDocument/2006/relationships" xmlns:p="http://schemas.openxmlformats.org/presentationml/2006/main">
   <p:cSld>
     <p:spTree>
@@ -6489,7 +6935,7 @@
           <a:p>
             <a:fld id="{11C0E81A-4A75-0442-AA23-16ECDD60C10B}" type="datetime4">
               <a:rPr lang="en-US" smtClean="0"/>
-              <a:t>March 18, 2019</a:t>
+              <a:t>March 19, 2019</a:t>
             </a:fld>
             <a:endParaRPr lang="en-US"/>
           </a:p>
@@ -6546,7 +6992,7 @@
           <a:p>
             <a:fld id="{FDC176BD-CB18-BC48-9807-D86C661BDFD5}" type="slidenum">
               <a:rPr lang="en-US" smtClean="0"/>
-              <a:t>13</a:t>
+              <a:t>14</a:t>
             </a:fld>
             <a:endParaRPr lang="en-US"/>
           </a:p>
@@ -7857,7 +8303,7 @@
 </p:sld>
 </file>
 
-<file path=ppt/slides/slide14.xml><?xml version="1.0" encoding="utf-8"?>
+<file path=ppt/slides/slide15.xml><?xml version="1.0" encoding="utf-8"?>
 <p:sld xmlns:a="http://schemas.openxmlformats.org/drawingml/2006/main" xmlns:r="http://schemas.openxmlformats.org/officeDocument/2006/relationships" xmlns:p="http://schemas.openxmlformats.org/presentationml/2006/main">
   <p:cSld>
     <p:spTree>
@@ -7926,7 +8372,7 @@
           <a:p>
             <a:fld id="{11C0E81A-4A75-0442-AA23-16ECDD60C10B}" type="datetime4">
               <a:rPr lang="en-US" smtClean="0"/>
-              <a:t>March 18, 2019</a:t>
+              <a:t>March 19, 2019</a:t>
             </a:fld>
             <a:endParaRPr lang="en-US"/>
           </a:p>
@@ -7983,7 +8429,7 @@
           <a:p>
             <a:fld id="{FDC176BD-CB18-BC48-9807-D86C661BDFD5}" type="slidenum">
               <a:rPr lang="en-US" smtClean="0"/>
-              <a:t>14</a:t>
+              <a:t>15</a:t>
             </a:fld>
             <a:endParaRPr lang="en-US"/>
           </a:p>
@@ -10315,7 +10761,7 @@
 </p:sld>
 </file>
 
-<file path=ppt/slides/slide15.xml><?xml version="1.0" encoding="utf-8"?>
+<file path=ppt/slides/slide16.xml><?xml version="1.0" encoding="utf-8"?>
 <p:sld xmlns:a="http://schemas.openxmlformats.org/drawingml/2006/main" xmlns:r="http://schemas.openxmlformats.org/officeDocument/2006/relationships" xmlns:p="http://schemas.openxmlformats.org/presentationml/2006/main">
   <p:cSld>
     <p:spTree>
@@ -10392,7 +10838,7 @@
           <a:p>
             <a:fld id="{11C0E81A-4A75-0442-AA23-16ECDD60C10B}" type="datetime4">
               <a:rPr lang="en-US" smtClean="0"/>
-              <a:t>March 18, 2019</a:t>
+              <a:t>March 19, 2019</a:t>
             </a:fld>
             <a:endParaRPr lang="en-US"/>
           </a:p>
@@ -10449,7 +10895,7 @@
           <a:p>
             <a:fld id="{FDC176BD-CB18-BC48-9807-D86C661BDFD5}" type="slidenum">
               <a:rPr lang="en-US" smtClean="0"/>
-              <a:t>15</a:t>
+              <a:t>16</a:t>
             </a:fld>
             <a:endParaRPr lang="en-US"/>
           </a:p>
@@ -12964,7 +13410,7 @@
 </p:sld>
 </file>
 
-<file path=ppt/slides/slide16.xml><?xml version="1.0" encoding="utf-8"?>
+<file path=ppt/slides/slide17.xml><?xml version="1.0" encoding="utf-8"?>
 <p:sld xmlns:a="http://schemas.openxmlformats.org/drawingml/2006/main" xmlns:r="http://schemas.openxmlformats.org/officeDocument/2006/relationships" xmlns:p="http://schemas.openxmlformats.org/presentationml/2006/main">
   <p:cSld>
     <p:spTree>
@@ -13495,7 +13941,7 @@
           <a:p>
             <a:fld id="{8EAB9CC7-83C6-8C49-9C48-85CE187723BC}" type="datetime4">
               <a:rPr lang="en-US" smtClean="0"/>
-              <a:t>March 18, 2019</a:t>
+              <a:t>March 19, 2019</a:t>
             </a:fld>
             <a:endParaRPr lang="en-US"/>
           </a:p>
@@ -13552,7 +13998,7 @@
           <a:p>
             <a:fld id="{FDC176BD-CB18-BC48-9807-D86C661BDFD5}" type="slidenum">
               <a:rPr lang="en-US" smtClean="0"/>
-              <a:t>16</a:t>
+              <a:t>17</a:t>
             </a:fld>
             <a:endParaRPr lang="en-US"/>
           </a:p>
@@ -13583,7 +14029,7 @@
 </p:sld>
 </file>
 
-<file path=ppt/slides/slide17.xml><?xml version="1.0" encoding="utf-8"?>
+<file path=ppt/slides/slide18.xml><?xml version="1.0" encoding="utf-8"?>
 <p:sld xmlns:a="http://schemas.openxmlformats.org/drawingml/2006/main" xmlns:r="http://schemas.openxmlformats.org/officeDocument/2006/relationships" xmlns:p="http://schemas.openxmlformats.org/presentationml/2006/main">
   <p:cSld>
     <p:spTree>
@@ -13652,7 +14098,7 @@
           <a:p>
             <a:fld id="{11C0E81A-4A75-0442-AA23-16ECDD60C10B}" type="datetime4">
               <a:rPr lang="en-US" smtClean="0"/>
-              <a:t>March 18, 2019</a:t>
+              <a:t>March 19, 2019</a:t>
             </a:fld>
             <a:endParaRPr lang="en-US"/>
           </a:p>
@@ -13709,7 +14155,7 @@
           <a:p>
             <a:fld id="{FDC176BD-CB18-BC48-9807-D86C661BDFD5}" type="slidenum">
               <a:rPr lang="en-US" smtClean="0"/>
-              <a:t>17</a:t>
+              <a:t>18</a:t>
             </a:fld>
             <a:endParaRPr lang="en-US"/>
           </a:p>
@@ -14410,7 +14856,7 @@
 </p:sld>
 </file>
 
-<file path=ppt/slides/slide18.xml><?xml version="1.0" encoding="utf-8"?>
+<file path=ppt/slides/slide19.xml><?xml version="1.0" encoding="utf-8"?>
 <p:sld xmlns:a="http://schemas.openxmlformats.org/drawingml/2006/main" xmlns:r="http://schemas.openxmlformats.org/officeDocument/2006/relationships" xmlns:p="http://schemas.openxmlformats.org/presentationml/2006/main">
   <p:cSld>
     <p:spTree>
@@ -14479,7 +14925,7 @@
           <a:p>
             <a:fld id="{11C0E81A-4A75-0442-AA23-16ECDD60C10B}" type="datetime4">
               <a:rPr lang="en-US" smtClean="0"/>
-              <a:t>March 18, 2019</a:t>
+              <a:t>March 19, 2019</a:t>
             </a:fld>
             <a:endParaRPr lang="en-US"/>
           </a:p>
@@ -14536,7 +14982,7 @@
           <a:p>
             <a:fld id="{FDC176BD-CB18-BC48-9807-D86C661BDFD5}" type="slidenum">
               <a:rPr lang="en-US" smtClean="0"/>
-              <a:t>18</a:t>
+              <a:t>19</a:t>
             </a:fld>
             <a:endParaRPr lang="en-US"/>
           </a:p>
@@ -16624,7 +17070,279 @@
 </p:sld>
 </file>
 
-<file path=ppt/slides/slide19.xml><?xml version="1.0" encoding="utf-8"?>
+<file path=ppt/slides/slide2.xml><?xml version="1.0" encoding="utf-8"?>
+<p:sld xmlns:a="http://schemas.openxmlformats.org/drawingml/2006/main" xmlns:r="http://schemas.openxmlformats.org/officeDocument/2006/relationships" xmlns:p="http://schemas.openxmlformats.org/presentationml/2006/main">
+  <p:cSld>
+    <p:spTree>
+      <p:nvGrpSpPr>
+        <p:cNvPr id="1" name=""/>
+        <p:cNvGrpSpPr/>
+        <p:nvPr/>
+      </p:nvGrpSpPr>
+      <p:grpSpPr>
+        <a:xfrm>
+          <a:off x="0" y="0"/>
+          <a:ext cx="0" cy="0"/>
+          <a:chOff x="0" y="0"/>
+          <a:chExt cx="0" cy="0"/>
+        </a:xfrm>
+      </p:grpSpPr>
+      <p:sp>
+        <p:nvSpPr>
+          <p:cNvPr id="4" name="Date Placeholder 3">
+            <a:extLst>
+              <a:ext uri="{FF2B5EF4-FFF2-40B4-BE49-F238E27FC236}">
+                <a16:creationId xmlns:a16="http://schemas.microsoft.com/office/drawing/2014/main" id="{FD6C1E8C-634B-0049-9AB5-13A350A09C09}"/>
+              </a:ext>
+            </a:extLst>
+          </p:cNvPr>
+          <p:cNvSpPr>
+            <a:spLocks noGrp="1"/>
+          </p:cNvSpPr>
+          <p:nvPr>
+            <p:ph type="dt" sz="half" idx="10"/>
+          </p:nvPr>
+        </p:nvSpPr>
+        <p:spPr/>
+        <p:txBody>
+          <a:bodyPr/>
+          <a:lstStyle/>
+          <a:p>
+            <a:fld id="{C90E0392-3528-C64F-8AD5-06F817D8C72A}" type="datetime4">
+              <a:rPr lang="en-US" smtClean="0"/>
+              <a:t>March 19, 2019</a:t>
+            </a:fld>
+            <a:endParaRPr lang="en-US"/>
+          </a:p>
+        </p:txBody>
+      </p:sp>
+      <p:sp>
+        <p:nvSpPr>
+          <p:cNvPr id="5" name="Footer Placeholder 4">
+            <a:extLst>
+              <a:ext uri="{FF2B5EF4-FFF2-40B4-BE49-F238E27FC236}">
+                <a16:creationId xmlns:a16="http://schemas.microsoft.com/office/drawing/2014/main" id="{C8EDB739-FBA4-FA4E-A480-8168F6FAFA35}"/>
+              </a:ext>
+            </a:extLst>
+          </p:cNvPr>
+          <p:cNvSpPr>
+            <a:spLocks noGrp="1"/>
+          </p:cNvSpPr>
+          <p:nvPr>
+            <p:ph type="ftr" sz="quarter" idx="11"/>
+          </p:nvPr>
+        </p:nvSpPr>
+        <p:spPr/>
+        <p:txBody>
+          <a:bodyPr/>
+          <a:lstStyle/>
+          <a:p>
+            <a:r>
+              <a:rPr lang="en-US"/>
+              <a:t>Operating System (A), Peking University</a:t>
+            </a:r>
+          </a:p>
+        </p:txBody>
+      </p:sp>
+      <p:sp>
+        <p:nvSpPr>
+          <p:cNvPr id="6" name="Slide Number Placeholder 5">
+            <a:extLst>
+              <a:ext uri="{FF2B5EF4-FFF2-40B4-BE49-F238E27FC236}">
+                <a16:creationId xmlns:a16="http://schemas.microsoft.com/office/drawing/2014/main" id="{4E6FACCE-02DA-A64C-AA5F-A3273ED160EE}"/>
+              </a:ext>
+            </a:extLst>
+          </p:cNvPr>
+          <p:cNvSpPr>
+            <a:spLocks noGrp="1"/>
+          </p:cNvSpPr>
+          <p:nvPr>
+            <p:ph type="sldNum" sz="quarter" idx="12"/>
+          </p:nvPr>
+        </p:nvSpPr>
+        <p:spPr/>
+        <p:txBody>
+          <a:bodyPr/>
+          <a:lstStyle/>
+          <a:p>
+            <a:fld id="{FDC176BD-CB18-BC48-9807-D86C661BDFD5}" type="slidenum">
+              <a:rPr lang="en-US" smtClean="0"/>
+              <a:t>2</a:t>
+            </a:fld>
+            <a:endParaRPr lang="en-US"/>
+          </a:p>
+        </p:txBody>
+      </p:sp>
+      <p:sp>
+        <p:nvSpPr>
+          <p:cNvPr id="7" name="TextBox 6">
+            <a:extLst>
+              <a:ext uri="{FF2B5EF4-FFF2-40B4-BE49-F238E27FC236}">
+                <a16:creationId xmlns:a16="http://schemas.microsoft.com/office/drawing/2014/main" id="{6D3CA9B0-787F-1C42-93C6-B027C8C05213}"/>
+              </a:ext>
+            </a:extLst>
+          </p:cNvPr>
+          <p:cNvSpPr txBox="1"/>
+          <p:nvPr/>
+        </p:nvSpPr>
+        <p:spPr>
+          <a:xfrm>
+            <a:off x="319216" y="2471350"/>
+            <a:ext cx="10750379" cy="1754326"/>
+          </a:xfrm>
+          <a:prstGeom prst="rect">
+            <a:avLst/>
+          </a:prstGeom>
+          <a:noFill/>
+        </p:spPr>
+        <p:txBody>
+          <a:bodyPr wrap="square" rtlCol="0">
+            <a:spAutoFit/>
+          </a:bodyPr>
+          <a:lstStyle/>
+          <a:p>
+            <a:pPr algn="ctr"/>
+            <a:r>
+              <a:rPr lang="en-US" altLang="zh-CN" sz="5400" dirty="0">
+                <a:latin typeface="Gill Sans Light" panose="020B0302020104020203" pitchFamily="34" charset="-79"/>
+                <a:cs typeface="Gill Sans Light" panose="020B0302020104020203" pitchFamily="34" charset="-79"/>
+              </a:rPr>
+              <a:t>“The</a:t>
+            </a:r>
+            <a:r>
+              <a:rPr lang="zh-CN" altLang="en-US" sz="5400" dirty="0">
+                <a:latin typeface="Gill Sans Light" panose="020B0302020104020203" pitchFamily="34" charset="-79"/>
+                <a:cs typeface="Gill Sans Light" panose="020B0302020104020203" pitchFamily="34" charset="-79"/>
+              </a:rPr>
+              <a:t> </a:t>
+            </a:r>
+            <a:r>
+              <a:rPr lang="en-US" altLang="zh-CN" sz="5400" dirty="0">
+                <a:latin typeface="Gill Sans Light" panose="020B0302020104020203" pitchFamily="34" charset="-79"/>
+                <a:cs typeface="Gill Sans Light" panose="020B0302020104020203" pitchFamily="34" charset="-79"/>
+              </a:rPr>
+              <a:t>devil</a:t>
+            </a:r>
+            <a:r>
+              <a:rPr lang="zh-CN" altLang="en-US" sz="5400" dirty="0">
+                <a:latin typeface="Gill Sans Light" panose="020B0302020104020203" pitchFamily="34" charset="-79"/>
+                <a:cs typeface="Gill Sans Light" panose="020B0302020104020203" pitchFamily="34" charset="-79"/>
+              </a:rPr>
+              <a:t> </a:t>
+            </a:r>
+            <a:r>
+              <a:rPr lang="en-US" altLang="zh-CN" sz="5400" dirty="0">
+                <a:latin typeface="Gill Sans Light" panose="020B0302020104020203" pitchFamily="34" charset="-79"/>
+                <a:cs typeface="Gill Sans Light" panose="020B0302020104020203" pitchFamily="34" charset="-79"/>
+              </a:rPr>
+              <a:t>is</a:t>
+            </a:r>
+            <a:r>
+              <a:rPr lang="zh-CN" altLang="en-US" sz="5400" dirty="0">
+                <a:latin typeface="Gill Sans Light" panose="020B0302020104020203" pitchFamily="34" charset="-79"/>
+                <a:cs typeface="Gill Sans Light" panose="020B0302020104020203" pitchFamily="34" charset="-79"/>
+              </a:rPr>
+              <a:t> </a:t>
+            </a:r>
+            <a:r>
+              <a:rPr lang="en-US" altLang="zh-CN" sz="5400" dirty="0">
+                <a:latin typeface="Gill Sans Light" panose="020B0302020104020203" pitchFamily="34" charset="-79"/>
+                <a:cs typeface="Gill Sans Light" panose="020B0302020104020203" pitchFamily="34" charset="-79"/>
+              </a:rPr>
+              <a:t>in</a:t>
+            </a:r>
+            <a:r>
+              <a:rPr lang="zh-CN" altLang="en-US" sz="5400" dirty="0">
+                <a:latin typeface="Gill Sans Light" panose="020B0302020104020203" pitchFamily="34" charset="-79"/>
+                <a:cs typeface="Gill Sans Light" panose="020B0302020104020203" pitchFamily="34" charset="-79"/>
+              </a:rPr>
+              <a:t> </a:t>
+            </a:r>
+            <a:r>
+              <a:rPr lang="en-US" altLang="zh-CN" sz="5400" dirty="0">
+                <a:latin typeface="Gill Sans Light" panose="020B0302020104020203" pitchFamily="34" charset="-79"/>
+                <a:cs typeface="Gill Sans Light" panose="020B0302020104020203" pitchFamily="34" charset="-79"/>
+              </a:rPr>
+              <a:t>the</a:t>
+            </a:r>
+            <a:r>
+              <a:rPr lang="zh-CN" altLang="en-US" sz="5400" dirty="0">
+                <a:latin typeface="Gill Sans Light" panose="020B0302020104020203" pitchFamily="34" charset="-79"/>
+                <a:cs typeface="Gill Sans Light" panose="020B0302020104020203" pitchFamily="34" charset="-79"/>
+              </a:rPr>
+              <a:t> </a:t>
+            </a:r>
+            <a:r>
+              <a:rPr lang="en-US" altLang="zh-CN" sz="5400" dirty="0">
+                <a:latin typeface="Gill Sans Light" panose="020B0302020104020203" pitchFamily="34" charset="-79"/>
+                <a:cs typeface="Gill Sans Light" panose="020B0302020104020203" pitchFamily="34" charset="-79"/>
+              </a:rPr>
+              <a:t>details”</a:t>
+            </a:r>
+            <a:br>
+              <a:rPr lang="en-US" altLang="zh-CN" sz="5400" dirty="0">
+                <a:latin typeface="Gill Sans Light" panose="020B0302020104020203" pitchFamily="34" charset="-79"/>
+                <a:cs typeface="Gill Sans Light" panose="020B0302020104020203" pitchFamily="34" charset="-79"/>
+              </a:rPr>
+            </a:br>
+            <a:r>
+              <a:rPr lang="zh-CN" altLang="en-US" sz="5400" dirty="0">
+                <a:latin typeface="Gill Sans Light" panose="020B0302020104020203" pitchFamily="34" charset="-79"/>
+                <a:cs typeface="Gill Sans Light" panose="020B0302020104020203" pitchFamily="34" charset="-79"/>
+              </a:rPr>
+              <a:t>                                 </a:t>
+            </a:r>
+            <a:r>
+              <a:rPr lang="en-US" altLang="zh-CN" sz="5400" dirty="0">
+                <a:latin typeface="Gill Sans Light" panose="020B0302020104020203" pitchFamily="34" charset="-79"/>
+                <a:cs typeface="Gill Sans Light" panose="020B0302020104020203" pitchFamily="34" charset="-79"/>
+              </a:rPr>
+              <a:t>English</a:t>
+            </a:r>
+            <a:r>
+              <a:rPr lang="zh-CN" altLang="en-US" sz="5400" dirty="0">
+                <a:latin typeface="Gill Sans Light" panose="020B0302020104020203" pitchFamily="34" charset="-79"/>
+                <a:cs typeface="Gill Sans Light" panose="020B0302020104020203" pitchFamily="34" charset="-79"/>
+              </a:rPr>
+              <a:t> </a:t>
+            </a:r>
+            <a:r>
+              <a:rPr lang="en-US" altLang="zh-CN" sz="5400" dirty="0">
+                <a:latin typeface="Gill Sans Light" panose="020B0302020104020203" pitchFamily="34" charset="-79"/>
+                <a:cs typeface="Gill Sans Light" panose="020B0302020104020203" pitchFamily="34" charset="-79"/>
+              </a:rPr>
+              <a:t>proverb</a:t>
+            </a:r>
+            <a:endParaRPr lang="en-US" sz="5400" dirty="0"/>
+          </a:p>
+        </p:txBody>
+      </p:sp>
+    </p:spTree>
+    <p:extLst>
+      <p:ext uri="{BB962C8B-B14F-4D97-AF65-F5344CB8AC3E}">
+        <p14:creationId xmlns:p14="http://schemas.microsoft.com/office/powerpoint/2010/main" val="1085574869"/>
+      </p:ext>
+    </p:extLst>
+  </p:cSld>
+  <p:clrMapOvr>
+    <a:masterClrMapping/>
+  </p:clrMapOvr>
+  <mc:AlternateContent xmlns:mc="http://schemas.openxmlformats.org/markup-compatibility/2006" xmlns:p14="http://schemas.microsoft.com/office/powerpoint/2010/main">
+    <mc:Choice Requires="p14">
+      <p:transition spd="med" p14:dur="700">
+        <p:fade/>
+      </p:transition>
+    </mc:Choice>
+    <mc:Fallback xmlns="">
+      <p:transition spd="med">
+        <p:fade/>
+      </p:transition>
+    </mc:Fallback>
+  </mc:AlternateContent>
+</p:sld>
+</file>
+
+<file path=ppt/slides/slide20.xml><?xml version="1.0" encoding="utf-8"?>
 <p:sld xmlns:a="http://schemas.openxmlformats.org/drawingml/2006/main" xmlns:r="http://schemas.openxmlformats.org/officeDocument/2006/relationships" xmlns:p="http://schemas.openxmlformats.org/presentationml/2006/main">
   <p:cSld>
     <p:spTree>
@@ -16693,7 +17411,7 @@
           <a:p>
             <a:fld id="{11C0E81A-4A75-0442-AA23-16ECDD60C10B}" type="datetime4">
               <a:rPr lang="en-US" smtClean="0"/>
-              <a:t>March 18, 2019</a:t>
+              <a:t>March 19, 2019</a:t>
             </a:fld>
             <a:endParaRPr lang="en-US"/>
           </a:p>
@@ -16750,7 +17468,7 @@
           <a:p>
             <a:fld id="{FDC176BD-CB18-BC48-9807-D86C661BDFD5}" type="slidenum">
               <a:rPr lang="en-US" smtClean="0"/>
-              <a:t>19</a:t>
+              <a:t>20</a:t>
             </a:fld>
             <a:endParaRPr lang="en-US"/>
           </a:p>
@@ -18259,279 +18977,7 @@
 </p:sld>
 </file>
 
-<file path=ppt/slides/slide2.xml><?xml version="1.0" encoding="utf-8"?>
-<p:sld xmlns:a="http://schemas.openxmlformats.org/drawingml/2006/main" xmlns:r="http://schemas.openxmlformats.org/officeDocument/2006/relationships" xmlns:p="http://schemas.openxmlformats.org/presentationml/2006/main">
-  <p:cSld>
-    <p:spTree>
-      <p:nvGrpSpPr>
-        <p:cNvPr id="1" name=""/>
-        <p:cNvGrpSpPr/>
-        <p:nvPr/>
-      </p:nvGrpSpPr>
-      <p:grpSpPr>
-        <a:xfrm>
-          <a:off x="0" y="0"/>
-          <a:ext cx="0" cy="0"/>
-          <a:chOff x="0" y="0"/>
-          <a:chExt cx="0" cy="0"/>
-        </a:xfrm>
-      </p:grpSpPr>
-      <p:sp>
-        <p:nvSpPr>
-          <p:cNvPr id="4" name="Date Placeholder 3">
-            <a:extLst>
-              <a:ext uri="{FF2B5EF4-FFF2-40B4-BE49-F238E27FC236}">
-                <a16:creationId xmlns:a16="http://schemas.microsoft.com/office/drawing/2014/main" id="{FD6C1E8C-634B-0049-9AB5-13A350A09C09}"/>
-              </a:ext>
-            </a:extLst>
-          </p:cNvPr>
-          <p:cNvSpPr>
-            <a:spLocks noGrp="1"/>
-          </p:cNvSpPr>
-          <p:nvPr>
-            <p:ph type="dt" sz="half" idx="10"/>
-          </p:nvPr>
-        </p:nvSpPr>
-        <p:spPr/>
-        <p:txBody>
-          <a:bodyPr/>
-          <a:lstStyle/>
-          <a:p>
-            <a:fld id="{C90E0392-3528-C64F-8AD5-06F817D8C72A}" type="datetime4">
-              <a:rPr lang="en-US" smtClean="0"/>
-              <a:t>March 18, 2019</a:t>
-            </a:fld>
-            <a:endParaRPr lang="en-US"/>
-          </a:p>
-        </p:txBody>
-      </p:sp>
-      <p:sp>
-        <p:nvSpPr>
-          <p:cNvPr id="5" name="Footer Placeholder 4">
-            <a:extLst>
-              <a:ext uri="{FF2B5EF4-FFF2-40B4-BE49-F238E27FC236}">
-                <a16:creationId xmlns:a16="http://schemas.microsoft.com/office/drawing/2014/main" id="{C8EDB739-FBA4-FA4E-A480-8168F6FAFA35}"/>
-              </a:ext>
-            </a:extLst>
-          </p:cNvPr>
-          <p:cNvSpPr>
-            <a:spLocks noGrp="1"/>
-          </p:cNvSpPr>
-          <p:nvPr>
-            <p:ph type="ftr" sz="quarter" idx="11"/>
-          </p:nvPr>
-        </p:nvSpPr>
-        <p:spPr/>
-        <p:txBody>
-          <a:bodyPr/>
-          <a:lstStyle/>
-          <a:p>
-            <a:r>
-              <a:rPr lang="en-US"/>
-              <a:t>Operating System (A), Peking University</a:t>
-            </a:r>
-          </a:p>
-        </p:txBody>
-      </p:sp>
-      <p:sp>
-        <p:nvSpPr>
-          <p:cNvPr id="6" name="Slide Number Placeholder 5">
-            <a:extLst>
-              <a:ext uri="{FF2B5EF4-FFF2-40B4-BE49-F238E27FC236}">
-                <a16:creationId xmlns:a16="http://schemas.microsoft.com/office/drawing/2014/main" id="{4E6FACCE-02DA-A64C-AA5F-A3273ED160EE}"/>
-              </a:ext>
-            </a:extLst>
-          </p:cNvPr>
-          <p:cNvSpPr>
-            <a:spLocks noGrp="1"/>
-          </p:cNvSpPr>
-          <p:nvPr>
-            <p:ph type="sldNum" sz="quarter" idx="12"/>
-          </p:nvPr>
-        </p:nvSpPr>
-        <p:spPr/>
-        <p:txBody>
-          <a:bodyPr/>
-          <a:lstStyle/>
-          <a:p>
-            <a:fld id="{FDC176BD-CB18-BC48-9807-D86C661BDFD5}" type="slidenum">
-              <a:rPr lang="en-US" smtClean="0"/>
-              <a:t>2</a:t>
-            </a:fld>
-            <a:endParaRPr lang="en-US"/>
-          </a:p>
-        </p:txBody>
-      </p:sp>
-      <p:sp>
-        <p:nvSpPr>
-          <p:cNvPr id="7" name="TextBox 6">
-            <a:extLst>
-              <a:ext uri="{FF2B5EF4-FFF2-40B4-BE49-F238E27FC236}">
-                <a16:creationId xmlns:a16="http://schemas.microsoft.com/office/drawing/2014/main" id="{6D3CA9B0-787F-1C42-93C6-B027C8C05213}"/>
-              </a:ext>
-            </a:extLst>
-          </p:cNvPr>
-          <p:cNvSpPr txBox="1"/>
-          <p:nvPr/>
-        </p:nvSpPr>
-        <p:spPr>
-          <a:xfrm>
-            <a:off x="319216" y="2471350"/>
-            <a:ext cx="10750379" cy="1754326"/>
-          </a:xfrm>
-          <a:prstGeom prst="rect">
-            <a:avLst/>
-          </a:prstGeom>
-          <a:noFill/>
-        </p:spPr>
-        <p:txBody>
-          <a:bodyPr wrap="square" rtlCol="0">
-            <a:spAutoFit/>
-          </a:bodyPr>
-          <a:lstStyle/>
-          <a:p>
-            <a:pPr algn="ctr"/>
-            <a:r>
-              <a:rPr lang="en-US" altLang="zh-CN" sz="5400" dirty="0">
-                <a:latin typeface="Gill Sans Light" panose="020B0302020104020203" pitchFamily="34" charset="-79"/>
-                <a:cs typeface="Gill Sans Light" panose="020B0302020104020203" pitchFamily="34" charset="-79"/>
-              </a:rPr>
-              <a:t>“The</a:t>
-            </a:r>
-            <a:r>
-              <a:rPr lang="zh-CN" altLang="en-US" sz="5400" dirty="0">
-                <a:latin typeface="Gill Sans Light" panose="020B0302020104020203" pitchFamily="34" charset="-79"/>
-                <a:cs typeface="Gill Sans Light" panose="020B0302020104020203" pitchFamily="34" charset="-79"/>
-              </a:rPr>
-              <a:t> </a:t>
-            </a:r>
-            <a:r>
-              <a:rPr lang="en-US" altLang="zh-CN" sz="5400" dirty="0">
-                <a:latin typeface="Gill Sans Light" panose="020B0302020104020203" pitchFamily="34" charset="-79"/>
-                <a:cs typeface="Gill Sans Light" panose="020B0302020104020203" pitchFamily="34" charset="-79"/>
-              </a:rPr>
-              <a:t>devil</a:t>
-            </a:r>
-            <a:r>
-              <a:rPr lang="zh-CN" altLang="en-US" sz="5400" dirty="0">
-                <a:latin typeface="Gill Sans Light" panose="020B0302020104020203" pitchFamily="34" charset="-79"/>
-                <a:cs typeface="Gill Sans Light" panose="020B0302020104020203" pitchFamily="34" charset="-79"/>
-              </a:rPr>
-              <a:t> </a:t>
-            </a:r>
-            <a:r>
-              <a:rPr lang="en-US" altLang="zh-CN" sz="5400" dirty="0">
-                <a:latin typeface="Gill Sans Light" panose="020B0302020104020203" pitchFamily="34" charset="-79"/>
-                <a:cs typeface="Gill Sans Light" panose="020B0302020104020203" pitchFamily="34" charset="-79"/>
-              </a:rPr>
-              <a:t>is</a:t>
-            </a:r>
-            <a:r>
-              <a:rPr lang="zh-CN" altLang="en-US" sz="5400" dirty="0">
-                <a:latin typeface="Gill Sans Light" panose="020B0302020104020203" pitchFamily="34" charset="-79"/>
-                <a:cs typeface="Gill Sans Light" panose="020B0302020104020203" pitchFamily="34" charset="-79"/>
-              </a:rPr>
-              <a:t> </a:t>
-            </a:r>
-            <a:r>
-              <a:rPr lang="en-US" altLang="zh-CN" sz="5400" dirty="0">
-                <a:latin typeface="Gill Sans Light" panose="020B0302020104020203" pitchFamily="34" charset="-79"/>
-                <a:cs typeface="Gill Sans Light" panose="020B0302020104020203" pitchFamily="34" charset="-79"/>
-              </a:rPr>
-              <a:t>in</a:t>
-            </a:r>
-            <a:r>
-              <a:rPr lang="zh-CN" altLang="en-US" sz="5400" dirty="0">
-                <a:latin typeface="Gill Sans Light" panose="020B0302020104020203" pitchFamily="34" charset="-79"/>
-                <a:cs typeface="Gill Sans Light" panose="020B0302020104020203" pitchFamily="34" charset="-79"/>
-              </a:rPr>
-              <a:t> </a:t>
-            </a:r>
-            <a:r>
-              <a:rPr lang="en-US" altLang="zh-CN" sz="5400" dirty="0">
-                <a:latin typeface="Gill Sans Light" panose="020B0302020104020203" pitchFamily="34" charset="-79"/>
-                <a:cs typeface="Gill Sans Light" panose="020B0302020104020203" pitchFamily="34" charset="-79"/>
-              </a:rPr>
-              <a:t>the</a:t>
-            </a:r>
-            <a:r>
-              <a:rPr lang="zh-CN" altLang="en-US" sz="5400" dirty="0">
-                <a:latin typeface="Gill Sans Light" panose="020B0302020104020203" pitchFamily="34" charset="-79"/>
-                <a:cs typeface="Gill Sans Light" panose="020B0302020104020203" pitchFamily="34" charset="-79"/>
-              </a:rPr>
-              <a:t> </a:t>
-            </a:r>
-            <a:r>
-              <a:rPr lang="en-US" altLang="zh-CN" sz="5400" dirty="0">
-                <a:latin typeface="Gill Sans Light" panose="020B0302020104020203" pitchFamily="34" charset="-79"/>
-                <a:cs typeface="Gill Sans Light" panose="020B0302020104020203" pitchFamily="34" charset="-79"/>
-              </a:rPr>
-              <a:t>details”</a:t>
-            </a:r>
-            <a:br>
-              <a:rPr lang="en-US" altLang="zh-CN" sz="5400" dirty="0">
-                <a:latin typeface="Gill Sans Light" panose="020B0302020104020203" pitchFamily="34" charset="-79"/>
-                <a:cs typeface="Gill Sans Light" panose="020B0302020104020203" pitchFamily="34" charset="-79"/>
-              </a:rPr>
-            </a:br>
-            <a:r>
-              <a:rPr lang="zh-CN" altLang="en-US" sz="5400" dirty="0">
-                <a:latin typeface="Gill Sans Light" panose="020B0302020104020203" pitchFamily="34" charset="-79"/>
-                <a:cs typeface="Gill Sans Light" panose="020B0302020104020203" pitchFamily="34" charset="-79"/>
-              </a:rPr>
-              <a:t>                                 </a:t>
-            </a:r>
-            <a:r>
-              <a:rPr lang="en-US" altLang="zh-CN" sz="5400" dirty="0">
-                <a:latin typeface="Gill Sans Light" panose="020B0302020104020203" pitchFamily="34" charset="-79"/>
-                <a:cs typeface="Gill Sans Light" panose="020B0302020104020203" pitchFamily="34" charset="-79"/>
-              </a:rPr>
-              <a:t>English</a:t>
-            </a:r>
-            <a:r>
-              <a:rPr lang="zh-CN" altLang="en-US" sz="5400" dirty="0">
-                <a:latin typeface="Gill Sans Light" panose="020B0302020104020203" pitchFamily="34" charset="-79"/>
-                <a:cs typeface="Gill Sans Light" panose="020B0302020104020203" pitchFamily="34" charset="-79"/>
-              </a:rPr>
-              <a:t> </a:t>
-            </a:r>
-            <a:r>
-              <a:rPr lang="en-US" altLang="zh-CN" sz="5400" dirty="0">
-                <a:latin typeface="Gill Sans Light" panose="020B0302020104020203" pitchFamily="34" charset="-79"/>
-                <a:cs typeface="Gill Sans Light" panose="020B0302020104020203" pitchFamily="34" charset="-79"/>
-              </a:rPr>
-              <a:t>proverb</a:t>
-            </a:r>
-            <a:endParaRPr lang="en-US" sz="5400" dirty="0"/>
-          </a:p>
-        </p:txBody>
-      </p:sp>
-    </p:spTree>
-    <p:extLst>
-      <p:ext uri="{BB962C8B-B14F-4D97-AF65-F5344CB8AC3E}">
-        <p14:creationId xmlns:p14="http://schemas.microsoft.com/office/powerpoint/2010/main" val="1085574869"/>
-      </p:ext>
-    </p:extLst>
-  </p:cSld>
-  <p:clrMapOvr>
-    <a:masterClrMapping/>
-  </p:clrMapOvr>
-  <mc:AlternateContent xmlns:mc="http://schemas.openxmlformats.org/markup-compatibility/2006" xmlns:p14="http://schemas.microsoft.com/office/powerpoint/2010/main">
-    <mc:Choice Requires="p14">
-      <p:transition spd="med" p14:dur="700">
-        <p:fade/>
-      </p:transition>
-    </mc:Choice>
-    <mc:Fallback xmlns="">
-      <p:transition spd="med">
-        <p:fade/>
-      </p:transition>
-    </mc:Fallback>
-  </mc:AlternateContent>
-</p:sld>
-</file>
-
-<file path=ppt/slides/slide20.xml><?xml version="1.0" encoding="utf-8"?>
+<file path=ppt/slides/slide21.xml><?xml version="1.0" encoding="utf-8"?>
 <p:sld xmlns:a="http://schemas.openxmlformats.org/drawingml/2006/main" xmlns:r="http://schemas.openxmlformats.org/officeDocument/2006/relationships" xmlns:p="http://schemas.openxmlformats.org/presentationml/2006/main">
   <p:cSld>
     <p:spTree>
@@ -18789,7 +19235,7 @@
           <a:p>
             <a:fld id="{11C0E81A-4A75-0442-AA23-16ECDD60C10B}" type="datetime4">
               <a:rPr lang="en-US" smtClean="0"/>
-              <a:t>March 18, 2019</a:t>
+              <a:t>March 19, 2019</a:t>
             </a:fld>
             <a:endParaRPr lang="en-US"/>
           </a:p>
@@ -18846,7 +19292,7 @@
           <a:p>
             <a:fld id="{FDC176BD-CB18-BC48-9807-D86C661BDFD5}" type="slidenum">
               <a:rPr lang="en-US" smtClean="0"/>
-              <a:t>20</a:t>
+              <a:t>21</a:t>
             </a:fld>
             <a:endParaRPr lang="en-US"/>
           </a:p>
@@ -19334,7 +19780,7 @@
 </p:sld>
 </file>
 
-<file path=ppt/slides/slide21.xml><?xml version="1.0" encoding="utf-8"?>
+<file path=ppt/slides/slide22.xml><?xml version="1.0" encoding="utf-8"?>
 <p:sld xmlns:a="http://schemas.openxmlformats.org/drawingml/2006/main" xmlns:r="http://schemas.openxmlformats.org/officeDocument/2006/relationships" xmlns:p="http://schemas.openxmlformats.org/presentationml/2006/main">
   <p:cSld>
     <p:spTree>
@@ -19416,7 +19862,7 @@
           <a:p>
             <a:fld id="{11C0E81A-4A75-0442-AA23-16ECDD60C10B}" type="datetime4">
               <a:rPr lang="en-US" smtClean="0"/>
-              <a:t>March 18, 2019</a:t>
+              <a:t>March 19, 2019</a:t>
             </a:fld>
             <a:endParaRPr lang="en-US" dirty="0"/>
           </a:p>
@@ -19473,7 +19919,7 @@
           <a:p>
             <a:fld id="{FDC176BD-CB18-BC48-9807-D86C661BDFD5}" type="slidenum">
               <a:rPr lang="en-US" smtClean="0"/>
-              <a:t>21</a:t>
+              <a:t>22</a:t>
             </a:fld>
             <a:endParaRPr lang="en-US"/>
           </a:p>
@@ -20069,7 +20515,7 @@
 </p:sld>
 </file>
 
-<file path=ppt/slides/slide22.xml><?xml version="1.0" encoding="utf-8"?>
+<file path=ppt/slides/slide23.xml><?xml version="1.0" encoding="utf-8"?>
 <p:sld xmlns:a="http://schemas.openxmlformats.org/drawingml/2006/main" xmlns:r="http://schemas.openxmlformats.org/officeDocument/2006/relationships" xmlns:p="http://schemas.openxmlformats.org/presentationml/2006/main">
   <p:cSld>
     <p:spTree>
@@ -20144,7 +20590,7 @@
           <a:p>
             <a:fld id="{11C0E81A-4A75-0442-AA23-16ECDD60C10B}" type="datetime4">
               <a:rPr lang="en-US" smtClean="0"/>
-              <a:t>March 18, 2019</a:t>
+              <a:t>March 19, 2019</a:t>
             </a:fld>
             <a:endParaRPr lang="en-US" dirty="0"/>
           </a:p>
@@ -20201,7 +20647,7 @@
           <a:p>
             <a:fld id="{FDC176BD-CB18-BC48-9807-D86C661BDFD5}" type="slidenum">
               <a:rPr lang="en-US" smtClean="0"/>
-              <a:t>22</a:t>
+              <a:t>23</a:t>
             </a:fld>
             <a:endParaRPr lang="en-US"/>
           </a:p>
@@ -21072,7 +21518,7 @@
 </p:sld>
 </file>
 
-<file path=ppt/slides/slide23.xml><?xml version="1.0" encoding="utf-8"?>
+<file path=ppt/slides/slide24.xml><?xml version="1.0" encoding="utf-8"?>
 <p:sld xmlns:a="http://schemas.openxmlformats.org/drawingml/2006/main" xmlns:r="http://schemas.openxmlformats.org/officeDocument/2006/relationships" xmlns:p="http://schemas.openxmlformats.org/presentationml/2006/main">
   <p:cSld>
     <p:spTree>
@@ -21147,7 +21593,7 @@
           <a:p>
             <a:fld id="{11C0E81A-4A75-0442-AA23-16ECDD60C10B}" type="datetime4">
               <a:rPr lang="en-US" smtClean="0"/>
-              <a:t>March 18, 2019</a:t>
+              <a:t>March 19, 2019</a:t>
             </a:fld>
             <a:endParaRPr lang="en-US" dirty="0"/>
           </a:p>
@@ -21204,7 +21650,7 @@
           <a:p>
             <a:fld id="{FDC176BD-CB18-BC48-9807-D86C661BDFD5}" type="slidenum">
               <a:rPr lang="en-US" smtClean="0"/>
-              <a:t>23</a:t>
+              <a:t>24</a:t>
             </a:fld>
             <a:endParaRPr lang="en-US"/>
           </a:p>
@@ -21888,7 +22334,7 @@
 </p:sld>
 </file>
 
-<file path=ppt/slides/slide24.xml><?xml version="1.0" encoding="utf-8"?>
+<file path=ppt/slides/slide25.xml><?xml version="1.0" encoding="utf-8"?>
 <p:sld xmlns:a="http://schemas.openxmlformats.org/drawingml/2006/main" xmlns:r="http://schemas.openxmlformats.org/officeDocument/2006/relationships" xmlns:p="http://schemas.openxmlformats.org/presentationml/2006/main">
   <p:cSld>
     <p:spTree>
@@ -21963,7 +22409,7 @@
           <a:p>
             <a:fld id="{11C0E81A-4A75-0442-AA23-16ECDD60C10B}" type="datetime4">
               <a:rPr lang="en-US" smtClean="0"/>
-              <a:t>March 18, 2019</a:t>
+              <a:t>March 19, 2019</a:t>
             </a:fld>
             <a:endParaRPr lang="en-US" dirty="0"/>
           </a:p>
@@ -22020,7 +22466,7 @@
           <a:p>
             <a:fld id="{FDC176BD-CB18-BC48-9807-D86C661BDFD5}" type="slidenum">
               <a:rPr lang="en-US" smtClean="0"/>
-              <a:t>24</a:t>
+              <a:t>25</a:t>
             </a:fld>
             <a:endParaRPr lang="en-US"/>
           </a:p>
@@ -22796,7 +23242,7 @@
 </p:sld>
 </file>
 
-<file path=ppt/slides/slide25.xml><?xml version="1.0" encoding="utf-8"?>
+<file path=ppt/slides/slide26.xml><?xml version="1.0" encoding="utf-8"?>
 <p:sld xmlns:a="http://schemas.openxmlformats.org/drawingml/2006/main" xmlns:r="http://schemas.openxmlformats.org/officeDocument/2006/relationships" xmlns:p="http://schemas.openxmlformats.org/presentationml/2006/main">
   <p:cSld>
     <p:spTree>
@@ -23304,7 +23750,7 @@
           <a:p>
             <a:fld id="{11C0E81A-4A75-0442-AA23-16ECDD60C10B}" type="datetime4">
               <a:rPr lang="en-US" smtClean="0"/>
-              <a:t>March 18, 2019</a:t>
+              <a:t>March 19, 2019</a:t>
             </a:fld>
             <a:endParaRPr lang="en-US"/>
           </a:p>
@@ -23361,7 +23807,7 @@
           <a:p>
             <a:fld id="{FDC176BD-CB18-BC48-9807-D86C661BDFD5}" type="slidenum">
               <a:rPr lang="en-US" smtClean="0"/>
-              <a:t>25</a:t>
+              <a:t>26</a:t>
             </a:fld>
             <a:endParaRPr lang="en-US"/>
           </a:p>
@@ -23392,7 +23838,7 @@
 </p:sld>
 </file>
 
-<file path=ppt/slides/slide26.xml><?xml version="1.0" encoding="utf-8"?>
+<file path=ppt/slides/slide27.xml><?xml version="1.0" encoding="utf-8"?>
 <p:sld xmlns:a="http://schemas.openxmlformats.org/drawingml/2006/main" xmlns:r="http://schemas.openxmlformats.org/officeDocument/2006/relationships" xmlns:p="http://schemas.openxmlformats.org/presentationml/2006/main">
   <p:cSld>
     <p:spTree>
@@ -23507,7 +23953,7 @@
           <a:p>
             <a:fld id="{C90E0392-3528-C64F-8AD5-06F817D8C72A}" type="datetime4">
               <a:rPr lang="en-US" smtClean="0"/>
-              <a:t>March 18, 2019</a:t>
+              <a:t>March 19, 2019</a:t>
             </a:fld>
             <a:endParaRPr lang="en-US"/>
           </a:p>
@@ -23564,7 +24010,7 @@
           <a:p>
             <a:fld id="{FDC176BD-CB18-BC48-9807-D86C661BDFD5}" type="slidenum">
               <a:rPr lang="en-US" smtClean="0"/>
-              <a:t>26</a:t>
+              <a:t>27</a:t>
             </a:fld>
             <a:endParaRPr lang="en-US"/>
           </a:p>
@@ -24106,7 +24552,7 @@
           <a:p>
             <a:fld id="{8EAB9CC7-83C6-8C49-9C48-85CE187723BC}" type="datetime4">
               <a:rPr lang="en-US" smtClean="0"/>
-              <a:t>March 18, 2019</a:t>
+              <a:t>March 19, 2019</a:t>
             </a:fld>
             <a:endParaRPr lang="en-US"/>
           </a:p>
@@ -24264,7 +24710,7 @@
                 <a:latin typeface="DengXian" panose="02010600030101010101" pitchFamily="2" charset="-122"/>
                 <a:ea typeface="DengXian" panose="02010600030101010101" pitchFamily="2" charset="-122"/>
               </a:rPr>
-              <a:t>基本概念复习</a:t>
+              <a:t>基本概念</a:t>
             </a:r>
             <a:endParaRPr lang="en-US" sz="4000" dirty="0">
               <a:latin typeface="DengXian" panose="02010600030101010101" pitchFamily="2" charset="-122"/>
@@ -24453,7 +24899,7 @@
           <a:p>
             <a:fld id="{11C0E81A-4A75-0442-AA23-16ECDD60C10B}" type="datetime4">
               <a:rPr lang="en-US" smtClean="0"/>
-              <a:t>March 18, 2019</a:t>
+              <a:t>March 19, 2019</a:t>
             </a:fld>
             <a:endParaRPr lang="en-US"/>
           </a:p>
@@ -25566,7 +26012,23 @@
                   <a:prstClr val="black"/>
                 </a:solidFill>
               </a:rPr>
-              <a:t>使用中断机制实现，用户程序使用指令主动陷入中断，在特定的中断处理程序内实现系统调用的功能</a:t>
+              <a:t>使用中断机制实现，用户程序使用</a:t>
+            </a:r>
+            <a:r>
+              <a:rPr lang="en-US" altLang="zh-CN" dirty="0">
+                <a:solidFill>
+                  <a:prstClr val="black"/>
+                </a:solidFill>
+              </a:rPr>
+              <a:t>INT</a:t>
+            </a:r>
+            <a:r>
+              <a:rPr lang="zh-CN" altLang="en-US" dirty="0">
+                <a:solidFill>
+                  <a:prstClr val="black"/>
+                </a:solidFill>
+              </a:rPr>
+              <a:t>指令主动陷入中断，在特定的中断处理程序内实现系统调用的功能</a:t>
             </a:r>
             <a:endParaRPr lang="en-US" altLang="zh-CN" dirty="0">
               <a:solidFill>
@@ -25654,7 +26116,23 @@
                   <a:prstClr val="black"/>
                 </a:solidFill>
               </a:rPr>
-              <a:t>来代指所有的的中断与系统调用</a:t>
+              <a:t>来代指所有由</a:t>
+            </a:r>
+            <a:r>
+              <a:rPr lang="en-US" altLang="zh-CN" dirty="0">
+                <a:solidFill>
+                  <a:prstClr val="black"/>
+                </a:solidFill>
+              </a:rPr>
+              <a:t>INT</a:t>
+            </a:r>
+            <a:r>
+              <a:rPr lang="zh-CN" altLang="en-US" dirty="0">
+                <a:solidFill>
+                  <a:prstClr val="black"/>
+                </a:solidFill>
+              </a:rPr>
+              <a:t>指令引发的中断与系统调用</a:t>
             </a:r>
             <a:endParaRPr lang="en-US" altLang="zh-CN" dirty="0">
               <a:solidFill>
@@ -26106,7 +26584,7 @@
           <a:p>
             <a:fld id="{11C0E81A-4A75-0442-AA23-16ECDD60C10B}" type="datetime4">
               <a:rPr lang="en-US" smtClean="0"/>
-              <a:t>March 18, 2019</a:t>
+              <a:t>March 19, 2019</a:t>
             </a:fld>
             <a:endParaRPr lang="en-US"/>
           </a:p>
@@ -26980,7 +27458,7 @@
           <a:p>
             <a:fld id="{11C0E81A-4A75-0442-AA23-16ECDD60C10B}" type="datetime4">
               <a:rPr lang="en-US" smtClean="0"/>
-              <a:t>March 18, 2019</a:t>
+              <a:t>March 19, 2019</a:t>
             </a:fld>
             <a:endParaRPr lang="en-US"/>
           </a:p>
@@ -27841,7 +28319,7 @@
           <a:p>
             <a:fld id="{11C0E81A-4A75-0442-AA23-16ECDD60C10B}" type="datetime4">
               <a:rPr lang="en-US" smtClean="0"/>
-              <a:t>March 18, 2019</a:t>
+              <a:t>March 19, 2019</a:t>
             </a:fld>
             <a:endParaRPr lang="en-US"/>
           </a:p>
@@ -28465,7 +28943,7 @@
           <a:p>
             <a:fld id="{11C0E81A-4A75-0442-AA23-16ECDD60C10B}" type="datetime4">
               <a:rPr lang="en-US" smtClean="0"/>
-              <a:t>March 18, 2019</a:t>
+              <a:t>March 19, 2019</a:t>
             </a:fld>
             <a:endParaRPr lang="en-US"/>
           </a:p>
@@ -29295,7 +29773,7 @@
           <a:p>
             <a:fld id="{11C0E81A-4A75-0442-AA23-16ECDD60C10B}" type="datetime4">
               <a:rPr lang="en-US" smtClean="0"/>
-              <a:t>March 18, 2019</a:t>
+              <a:t>March 19, 2019</a:t>
             </a:fld>
             <a:endParaRPr lang="en-US"/>
           </a:p>
